--- a/templates/新建仓申报模板 v0.1.pptx
+++ b/templates/新建仓申报模板 v0.1.pptx
@@ -5,13 +5,14 @@
     <p:sldMasterId id="2147483648" r:id="rId1"/>
   </p:sldMasterIdLst>
   <p:sldIdLst>
-    <p:sldId id="256" r:id="rId2"/>
-    <p:sldId id="257" r:id="rId3"/>
-    <p:sldId id="259" r:id="rId4"/>
-    <p:sldId id="262" r:id="rId5"/>
-    <p:sldId id="260" r:id="rId6"/>
-    <p:sldId id="263" r:id="rId7"/>
-    <p:sldId id="258" r:id="rId8"/>
+    <p:sldId id="256" r:id="rId3"/>
+    <p:sldId id="257" r:id="rId4"/>
+    <p:sldId id="259" r:id="rId5"/>
+    <p:sldId id="262" r:id="rId6"/>
+    <p:sldId id="260" r:id="rId7"/>
+    <p:sldId id="263" r:id="rId8"/>
+    <p:sldId id="264" r:id="rId9"/>
+    <p:sldId id="258" r:id="rId10"/>
   </p:sldIdLst>
   <p:sldSz cx="12192000" cy="6858000"/>
   <p:notesSz cx="6858000" cy="9144000"/>
@@ -110,11 +111,6 @@
       </a:defRPr>
     </a:lvl9pPr>
   </p:defaultTextStyle>
-  <p:extLst>
-    <p:ext uri="{EFAFB233-063F-42B5-8137-9DF3F51BA10A}">
-      <p15:sldGuideLst xmlns:p15="http://schemas.microsoft.com/office/powerpoint/2012/main"/>
-    </p:ext>
-  </p:extLst>
 </p:presentation>
 </file>
 
@@ -163,6 +159,7 @@
               <a:rPr lang="zh-CN" altLang="en-US"/>
               <a:t>单击此处编辑母版标题样式</a:t>
             </a:r>
+            <a:endParaRPr lang="zh-CN" altLang="en-US"/>
           </a:p>
         </p:txBody>
       </p:sp>
@@ -227,6 +224,7 @@
               <a:rPr lang="zh-CN" altLang="en-US"/>
               <a:t>单击此处编辑母版副标题样式</a:t>
             </a:r>
+            <a:endParaRPr lang="zh-CN" altLang="en-US"/>
           </a:p>
         </p:txBody>
       </p:sp>
@@ -247,7 +245,6 @@
           <a:p>
             <a:fld id="{8E30BAFC-7326-4899-9BEC-7E31906EAAB6}" type="datetimeFigureOut">
               <a:rPr lang="zh-CN" altLang="en-US" smtClean="0"/>
-              <a:t>2025/10/30</a:t>
             </a:fld>
             <a:endParaRPr lang="zh-CN" altLang="en-US"/>
           </a:p>
@@ -289,7 +286,6 @@
           <a:p>
             <a:fld id="{BA48170D-50DB-4052-9D2B-D15E249EAEF9}" type="slidenum">
               <a:rPr lang="zh-CN" altLang="en-US" smtClean="0"/>
-              <a:t>‹#›</a:t>
             </a:fld>
             <a:endParaRPr lang="zh-CN" altLang="en-US"/>
           </a:p>
@@ -339,6 +335,7 @@
               <a:rPr lang="zh-CN" altLang="en-US"/>
               <a:t>单击此处编辑母版标题样式</a:t>
             </a:r>
+            <a:endParaRPr lang="zh-CN" altLang="en-US"/>
           </a:p>
         </p:txBody>
       </p:sp>
@@ -362,6 +359,7 @@
               <a:rPr lang="zh-CN" altLang="en-US"/>
               <a:t>单击此处编辑母版文本样式</a:t>
             </a:r>
+            <a:endParaRPr lang="zh-CN" altLang="en-US"/>
           </a:p>
           <a:p>
             <a:pPr lvl="1"/>
@@ -369,6 +367,7 @@
               <a:rPr lang="zh-CN" altLang="en-US"/>
               <a:t>二级</a:t>
             </a:r>
+            <a:endParaRPr lang="zh-CN" altLang="en-US"/>
           </a:p>
           <a:p>
             <a:pPr lvl="2"/>
@@ -376,6 +375,7 @@
               <a:rPr lang="zh-CN" altLang="en-US"/>
               <a:t>三级</a:t>
             </a:r>
+            <a:endParaRPr lang="zh-CN" altLang="en-US"/>
           </a:p>
           <a:p>
             <a:pPr lvl="3"/>
@@ -383,6 +383,7 @@
               <a:rPr lang="zh-CN" altLang="en-US"/>
               <a:t>四级</a:t>
             </a:r>
+            <a:endParaRPr lang="zh-CN" altLang="en-US"/>
           </a:p>
           <a:p>
             <a:pPr lvl="4"/>
@@ -390,6 +391,7 @@
               <a:rPr lang="zh-CN" altLang="en-US"/>
               <a:t>五级</a:t>
             </a:r>
+            <a:endParaRPr lang="zh-CN" altLang="en-US"/>
           </a:p>
         </p:txBody>
       </p:sp>
@@ -410,7 +412,6 @@
           <a:p>
             <a:fld id="{8E30BAFC-7326-4899-9BEC-7E31906EAAB6}" type="datetimeFigureOut">
               <a:rPr lang="zh-CN" altLang="en-US" smtClean="0"/>
-              <a:t>2025/10/30</a:t>
             </a:fld>
             <a:endParaRPr lang="zh-CN" altLang="en-US"/>
           </a:p>
@@ -452,7 +453,6 @@
           <a:p>
             <a:fld id="{BA48170D-50DB-4052-9D2B-D15E249EAEF9}" type="slidenum">
               <a:rPr lang="zh-CN" altLang="en-US" smtClean="0"/>
-              <a:t>‹#›</a:t>
             </a:fld>
             <a:endParaRPr lang="zh-CN" altLang="en-US"/>
           </a:p>
@@ -507,6 +507,7 @@
               <a:rPr lang="zh-CN" altLang="en-US"/>
               <a:t>单击此处编辑母版标题样式</a:t>
             </a:r>
+            <a:endParaRPr lang="zh-CN" altLang="en-US"/>
           </a:p>
         </p:txBody>
       </p:sp>
@@ -535,6 +536,7 @@
               <a:rPr lang="zh-CN" altLang="en-US"/>
               <a:t>单击此处编辑母版文本样式</a:t>
             </a:r>
+            <a:endParaRPr lang="zh-CN" altLang="en-US"/>
           </a:p>
           <a:p>
             <a:pPr lvl="1"/>
@@ -542,6 +544,7 @@
               <a:rPr lang="zh-CN" altLang="en-US"/>
               <a:t>二级</a:t>
             </a:r>
+            <a:endParaRPr lang="zh-CN" altLang="en-US"/>
           </a:p>
           <a:p>
             <a:pPr lvl="2"/>
@@ -549,6 +552,7 @@
               <a:rPr lang="zh-CN" altLang="en-US"/>
               <a:t>三级</a:t>
             </a:r>
+            <a:endParaRPr lang="zh-CN" altLang="en-US"/>
           </a:p>
           <a:p>
             <a:pPr lvl="3"/>
@@ -556,6 +560,7 @@
               <a:rPr lang="zh-CN" altLang="en-US"/>
               <a:t>四级</a:t>
             </a:r>
+            <a:endParaRPr lang="zh-CN" altLang="en-US"/>
           </a:p>
           <a:p>
             <a:pPr lvl="4"/>
@@ -563,6 +568,7 @@
               <a:rPr lang="zh-CN" altLang="en-US"/>
               <a:t>五级</a:t>
             </a:r>
+            <a:endParaRPr lang="zh-CN" altLang="en-US"/>
           </a:p>
         </p:txBody>
       </p:sp>
@@ -583,7 +589,6 @@
           <a:p>
             <a:fld id="{8E30BAFC-7326-4899-9BEC-7E31906EAAB6}" type="datetimeFigureOut">
               <a:rPr lang="zh-CN" altLang="en-US" smtClean="0"/>
-              <a:t>2025/10/30</a:t>
             </a:fld>
             <a:endParaRPr lang="zh-CN" altLang="en-US"/>
           </a:p>
@@ -625,7 +630,6 @@
           <a:p>
             <a:fld id="{BA48170D-50DB-4052-9D2B-D15E249EAEF9}" type="slidenum">
               <a:rPr lang="zh-CN" altLang="en-US" smtClean="0"/>
-              <a:t>‹#›</a:t>
             </a:fld>
             <a:endParaRPr lang="zh-CN" altLang="en-US"/>
           </a:p>
@@ -675,6 +679,7 @@
               <a:rPr lang="zh-CN" altLang="en-US"/>
               <a:t>单击此处编辑母版标题样式</a:t>
             </a:r>
+            <a:endParaRPr lang="zh-CN" altLang="en-US"/>
           </a:p>
         </p:txBody>
       </p:sp>
@@ -698,6 +703,7 @@
               <a:rPr lang="zh-CN" altLang="en-US"/>
               <a:t>单击此处编辑母版文本样式</a:t>
             </a:r>
+            <a:endParaRPr lang="zh-CN" altLang="en-US"/>
           </a:p>
           <a:p>
             <a:pPr lvl="1"/>
@@ -705,6 +711,7 @@
               <a:rPr lang="zh-CN" altLang="en-US"/>
               <a:t>二级</a:t>
             </a:r>
+            <a:endParaRPr lang="zh-CN" altLang="en-US"/>
           </a:p>
           <a:p>
             <a:pPr lvl="2"/>
@@ -712,6 +719,7 @@
               <a:rPr lang="zh-CN" altLang="en-US"/>
               <a:t>三级</a:t>
             </a:r>
+            <a:endParaRPr lang="zh-CN" altLang="en-US"/>
           </a:p>
           <a:p>
             <a:pPr lvl="3"/>
@@ -719,6 +727,7 @@
               <a:rPr lang="zh-CN" altLang="en-US"/>
               <a:t>四级</a:t>
             </a:r>
+            <a:endParaRPr lang="zh-CN" altLang="en-US"/>
           </a:p>
           <a:p>
             <a:pPr lvl="4"/>
@@ -726,6 +735,7 @@
               <a:rPr lang="zh-CN" altLang="en-US"/>
               <a:t>五级</a:t>
             </a:r>
+            <a:endParaRPr lang="zh-CN" altLang="en-US"/>
           </a:p>
         </p:txBody>
       </p:sp>
@@ -746,7 +756,6 @@
           <a:p>
             <a:fld id="{8E30BAFC-7326-4899-9BEC-7E31906EAAB6}" type="datetimeFigureOut">
               <a:rPr lang="zh-CN" altLang="en-US" smtClean="0"/>
-              <a:t>2025/10/30</a:t>
             </a:fld>
             <a:endParaRPr lang="zh-CN" altLang="en-US"/>
           </a:p>
@@ -788,7 +797,6 @@
           <a:p>
             <a:fld id="{BA48170D-50DB-4052-9D2B-D15E249EAEF9}" type="slidenum">
               <a:rPr lang="zh-CN" altLang="en-US" smtClean="0"/>
-              <a:t>‹#›</a:t>
             </a:fld>
             <a:endParaRPr lang="zh-CN" altLang="en-US"/>
           </a:p>
@@ -847,6 +855,7 @@
               <a:rPr lang="zh-CN" altLang="en-US"/>
               <a:t>单击此处编辑母版标题样式</a:t>
             </a:r>
+            <a:endParaRPr lang="zh-CN" altLang="en-US"/>
           </a:p>
         </p:txBody>
       </p:sp>
@@ -966,6 +975,7 @@
               <a:rPr lang="zh-CN" altLang="en-US"/>
               <a:t>单击此处编辑母版文本样式</a:t>
             </a:r>
+            <a:endParaRPr lang="zh-CN" altLang="en-US"/>
           </a:p>
         </p:txBody>
       </p:sp>
@@ -986,7 +996,6 @@
           <a:p>
             <a:fld id="{8E30BAFC-7326-4899-9BEC-7E31906EAAB6}" type="datetimeFigureOut">
               <a:rPr lang="zh-CN" altLang="en-US" smtClean="0"/>
-              <a:t>2025/10/30</a:t>
             </a:fld>
             <a:endParaRPr lang="zh-CN" altLang="en-US"/>
           </a:p>
@@ -1028,7 +1037,6 @@
           <a:p>
             <a:fld id="{BA48170D-50DB-4052-9D2B-D15E249EAEF9}" type="slidenum">
               <a:rPr lang="zh-CN" altLang="en-US" smtClean="0"/>
-              <a:t>‹#›</a:t>
             </a:fld>
             <a:endParaRPr lang="zh-CN" altLang="en-US"/>
           </a:p>
@@ -1078,6 +1086,7 @@
               <a:rPr lang="zh-CN" altLang="en-US"/>
               <a:t>单击此处编辑母版标题样式</a:t>
             </a:r>
+            <a:endParaRPr lang="zh-CN" altLang="en-US"/>
           </a:p>
         </p:txBody>
       </p:sp>
@@ -1106,6 +1115,7 @@
               <a:rPr lang="zh-CN" altLang="en-US"/>
               <a:t>单击此处编辑母版文本样式</a:t>
             </a:r>
+            <a:endParaRPr lang="zh-CN" altLang="en-US"/>
           </a:p>
           <a:p>
             <a:pPr lvl="1"/>
@@ -1113,6 +1123,7 @@
               <a:rPr lang="zh-CN" altLang="en-US"/>
               <a:t>二级</a:t>
             </a:r>
+            <a:endParaRPr lang="zh-CN" altLang="en-US"/>
           </a:p>
           <a:p>
             <a:pPr lvl="2"/>
@@ -1120,6 +1131,7 @@
               <a:rPr lang="zh-CN" altLang="en-US"/>
               <a:t>三级</a:t>
             </a:r>
+            <a:endParaRPr lang="zh-CN" altLang="en-US"/>
           </a:p>
           <a:p>
             <a:pPr lvl="3"/>
@@ -1127,6 +1139,7 @@
               <a:rPr lang="zh-CN" altLang="en-US"/>
               <a:t>四级</a:t>
             </a:r>
+            <a:endParaRPr lang="zh-CN" altLang="en-US"/>
           </a:p>
           <a:p>
             <a:pPr lvl="4"/>
@@ -1134,6 +1147,7 @@
               <a:rPr lang="zh-CN" altLang="en-US"/>
               <a:t>五级</a:t>
             </a:r>
+            <a:endParaRPr lang="zh-CN" altLang="en-US"/>
           </a:p>
         </p:txBody>
       </p:sp>
@@ -1162,6 +1176,7 @@
               <a:rPr lang="zh-CN" altLang="en-US"/>
               <a:t>单击此处编辑母版文本样式</a:t>
             </a:r>
+            <a:endParaRPr lang="zh-CN" altLang="en-US"/>
           </a:p>
           <a:p>
             <a:pPr lvl="1"/>
@@ -1169,6 +1184,7 @@
               <a:rPr lang="zh-CN" altLang="en-US"/>
               <a:t>二级</a:t>
             </a:r>
+            <a:endParaRPr lang="zh-CN" altLang="en-US"/>
           </a:p>
           <a:p>
             <a:pPr lvl="2"/>
@@ -1176,6 +1192,7 @@
               <a:rPr lang="zh-CN" altLang="en-US"/>
               <a:t>三级</a:t>
             </a:r>
+            <a:endParaRPr lang="zh-CN" altLang="en-US"/>
           </a:p>
           <a:p>
             <a:pPr lvl="3"/>
@@ -1183,6 +1200,7 @@
               <a:rPr lang="zh-CN" altLang="en-US"/>
               <a:t>四级</a:t>
             </a:r>
+            <a:endParaRPr lang="zh-CN" altLang="en-US"/>
           </a:p>
           <a:p>
             <a:pPr lvl="4"/>
@@ -1190,6 +1208,7 @@
               <a:rPr lang="zh-CN" altLang="en-US"/>
               <a:t>五级</a:t>
             </a:r>
+            <a:endParaRPr lang="zh-CN" altLang="en-US"/>
           </a:p>
         </p:txBody>
       </p:sp>
@@ -1210,7 +1229,6 @@
           <a:p>
             <a:fld id="{8E30BAFC-7326-4899-9BEC-7E31906EAAB6}" type="datetimeFigureOut">
               <a:rPr lang="zh-CN" altLang="en-US" smtClean="0"/>
-              <a:t>2025/10/30</a:t>
             </a:fld>
             <a:endParaRPr lang="zh-CN" altLang="en-US"/>
           </a:p>
@@ -1252,7 +1270,6 @@
           <a:p>
             <a:fld id="{BA48170D-50DB-4052-9D2B-D15E249EAEF9}" type="slidenum">
               <a:rPr lang="zh-CN" altLang="en-US" smtClean="0"/>
-              <a:t>‹#›</a:t>
             </a:fld>
             <a:endParaRPr lang="zh-CN" altLang="en-US"/>
           </a:p>
@@ -1307,6 +1324,7 @@
               <a:rPr lang="zh-CN" altLang="en-US"/>
               <a:t>单击此处编辑母版标题样式</a:t>
             </a:r>
+            <a:endParaRPr lang="zh-CN" altLang="en-US"/>
           </a:p>
         </p:txBody>
       </p:sp>
@@ -1372,6 +1390,7 @@
               <a:rPr lang="zh-CN" altLang="en-US"/>
               <a:t>单击此处编辑母版文本样式</a:t>
             </a:r>
+            <a:endParaRPr lang="zh-CN" altLang="en-US"/>
           </a:p>
         </p:txBody>
       </p:sp>
@@ -1400,6 +1419,7 @@
               <a:rPr lang="zh-CN" altLang="en-US"/>
               <a:t>单击此处编辑母版文本样式</a:t>
             </a:r>
+            <a:endParaRPr lang="zh-CN" altLang="en-US"/>
           </a:p>
           <a:p>
             <a:pPr lvl="1"/>
@@ -1407,6 +1427,7 @@
               <a:rPr lang="zh-CN" altLang="en-US"/>
               <a:t>二级</a:t>
             </a:r>
+            <a:endParaRPr lang="zh-CN" altLang="en-US"/>
           </a:p>
           <a:p>
             <a:pPr lvl="2"/>
@@ -1414,6 +1435,7 @@
               <a:rPr lang="zh-CN" altLang="en-US"/>
               <a:t>三级</a:t>
             </a:r>
+            <a:endParaRPr lang="zh-CN" altLang="en-US"/>
           </a:p>
           <a:p>
             <a:pPr lvl="3"/>
@@ -1421,6 +1443,7 @@
               <a:rPr lang="zh-CN" altLang="en-US"/>
               <a:t>四级</a:t>
             </a:r>
+            <a:endParaRPr lang="zh-CN" altLang="en-US"/>
           </a:p>
           <a:p>
             <a:pPr lvl="4"/>
@@ -1428,6 +1451,7 @@
               <a:rPr lang="zh-CN" altLang="en-US"/>
               <a:t>五级</a:t>
             </a:r>
+            <a:endParaRPr lang="zh-CN" altLang="en-US"/>
           </a:p>
         </p:txBody>
       </p:sp>
@@ -1493,6 +1517,7 @@
               <a:rPr lang="zh-CN" altLang="en-US"/>
               <a:t>单击此处编辑母版文本样式</a:t>
             </a:r>
+            <a:endParaRPr lang="zh-CN" altLang="en-US"/>
           </a:p>
         </p:txBody>
       </p:sp>
@@ -1521,6 +1546,7 @@
               <a:rPr lang="zh-CN" altLang="en-US"/>
               <a:t>单击此处编辑母版文本样式</a:t>
             </a:r>
+            <a:endParaRPr lang="zh-CN" altLang="en-US"/>
           </a:p>
           <a:p>
             <a:pPr lvl="1"/>
@@ -1528,6 +1554,7 @@
               <a:rPr lang="zh-CN" altLang="en-US"/>
               <a:t>二级</a:t>
             </a:r>
+            <a:endParaRPr lang="zh-CN" altLang="en-US"/>
           </a:p>
           <a:p>
             <a:pPr lvl="2"/>
@@ -1535,6 +1562,7 @@
               <a:rPr lang="zh-CN" altLang="en-US"/>
               <a:t>三级</a:t>
             </a:r>
+            <a:endParaRPr lang="zh-CN" altLang="en-US"/>
           </a:p>
           <a:p>
             <a:pPr lvl="3"/>
@@ -1542,6 +1570,7 @@
               <a:rPr lang="zh-CN" altLang="en-US"/>
               <a:t>四级</a:t>
             </a:r>
+            <a:endParaRPr lang="zh-CN" altLang="en-US"/>
           </a:p>
           <a:p>
             <a:pPr lvl="4"/>
@@ -1549,6 +1578,7 @@
               <a:rPr lang="zh-CN" altLang="en-US"/>
               <a:t>五级</a:t>
             </a:r>
+            <a:endParaRPr lang="zh-CN" altLang="en-US"/>
           </a:p>
         </p:txBody>
       </p:sp>
@@ -1569,7 +1599,6 @@
           <a:p>
             <a:fld id="{8E30BAFC-7326-4899-9BEC-7E31906EAAB6}" type="datetimeFigureOut">
               <a:rPr lang="zh-CN" altLang="en-US" smtClean="0"/>
-              <a:t>2025/10/30</a:t>
             </a:fld>
             <a:endParaRPr lang="zh-CN" altLang="en-US"/>
           </a:p>
@@ -1611,7 +1640,6 @@
           <a:p>
             <a:fld id="{BA48170D-50DB-4052-9D2B-D15E249EAEF9}" type="slidenum">
               <a:rPr lang="zh-CN" altLang="en-US" smtClean="0"/>
-              <a:t>‹#›</a:t>
             </a:fld>
             <a:endParaRPr lang="zh-CN" altLang="en-US"/>
           </a:p>
@@ -1661,6 +1689,7 @@
               <a:rPr lang="zh-CN" altLang="en-US"/>
               <a:t>单击此处编辑母版标题样式</a:t>
             </a:r>
+            <a:endParaRPr lang="zh-CN" altLang="en-US"/>
           </a:p>
         </p:txBody>
       </p:sp>
@@ -1681,7 +1710,6 @@
           <a:p>
             <a:fld id="{8E30BAFC-7326-4899-9BEC-7E31906EAAB6}" type="datetimeFigureOut">
               <a:rPr lang="zh-CN" altLang="en-US" smtClean="0"/>
-              <a:t>2025/10/30</a:t>
             </a:fld>
             <a:endParaRPr lang="zh-CN" altLang="en-US"/>
           </a:p>
@@ -1723,7 +1751,6 @@
           <a:p>
             <a:fld id="{BA48170D-50DB-4052-9D2B-D15E249EAEF9}" type="slidenum">
               <a:rPr lang="zh-CN" altLang="en-US" smtClean="0"/>
-              <a:t>‹#›</a:t>
             </a:fld>
             <a:endParaRPr lang="zh-CN" altLang="en-US"/>
           </a:p>
@@ -1771,7 +1798,6 @@
           <a:p>
             <a:fld id="{8E30BAFC-7326-4899-9BEC-7E31906EAAB6}" type="datetimeFigureOut">
               <a:rPr lang="zh-CN" altLang="en-US" smtClean="0"/>
-              <a:t>2025/10/30</a:t>
             </a:fld>
             <a:endParaRPr lang="zh-CN" altLang="en-US"/>
           </a:p>
@@ -1813,7 +1839,6 @@
           <a:p>
             <a:fld id="{BA48170D-50DB-4052-9D2B-D15E249EAEF9}" type="slidenum">
               <a:rPr lang="zh-CN" altLang="en-US" smtClean="0"/>
-              <a:t>‹#›</a:t>
             </a:fld>
             <a:endParaRPr lang="zh-CN" altLang="en-US"/>
           </a:p>
@@ -1872,6 +1897,7 @@
               <a:rPr lang="zh-CN" altLang="en-US"/>
               <a:t>单击此处编辑母版标题样式</a:t>
             </a:r>
+            <a:endParaRPr lang="zh-CN" altLang="en-US"/>
           </a:p>
         </p:txBody>
       </p:sp>
@@ -1928,6 +1954,7 @@
               <a:rPr lang="zh-CN" altLang="en-US"/>
               <a:t>单击此处编辑母版文本样式</a:t>
             </a:r>
+            <a:endParaRPr lang="zh-CN" altLang="en-US"/>
           </a:p>
           <a:p>
             <a:pPr lvl="1"/>
@@ -1935,6 +1962,7 @@
               <a:rPr lang="zh-CN" altLang="en-US"/>
               <a:t>二级</a:t>
             </a:r>
+            <a:endParaRPr lang="zh-CN" altLang="en-US"/>
           </a:p>
           <a:p>
             <a:pPr lvl="2"/>
@@ -1942,6 +1970,7 @@
               <a:rPr lang="zh-CN" altLang="en-US"/>
               <a:t>三级</a:t>
             </a:r>
+            <a:endParaRPr lang="zh-CN" altLang="en-US"/>
           </a:p>
           <a:p>
             <a:pPr lvl="3"/>
@@ -1949,6 +1978,7 @@
               <a:rPr lang="zh-CN" altLang="en-US"/>
               <a:t>四级</a:t>
             </a:r>
+            <a:endParaRPr lang="zh-CN" altLang="en-US"/>
           </a:p>
           <a:p>
             <a:pPr lvl="4"/>
@@ -1956,6 +1986,7 @@
               <a:rPr lang="zh-CN" altLang="en-US"/>
               <a:t>五级</a:t>
             </a:r>
+            <a:endParaRPr lang="zh-CN" altLang="en-US"/>
           </a:p>
         </p:txBody>
       </p:sp>
@@ -2021,6 +2052,7 @@
               <a:rPr lang="zh-CN" altLang="en-US"/>
               <a:t>单击此处编辑母版文本样式</a:t>
             </a:r>
+            <a:endParaRPr lang="zh-CN" altLang="en-US"/>
           </a:p>
         </p:txBody>
       </p:sp>
@@ -2041,7 +2073,6 @@
           <a:p>
             <a:fld id="{8E30BAFC-7326-4899-9BEC-7E31906EAAB6}" type="datetimeFigureOut">
               <a:rPr lang="zh-CN" altLang="en-US" smtClean="0"/>
-              <a:t>2025/10/30</a:t>
             </a:fld>
             <a:endParaRPr lang="zh-CN" altLang="en-US"/>
           </a:p>
@@ -2083,7 +2114,6 @@
           <a:p>
             <a:fld id="{BA48170D-50DB-4052-9D2B-D15E249EAEF9}" type="slidenum">
               <a:rPr lang="zh-CN" altLang="en-US" smtClean="0"/>
-              <a:t>‹#›</a:t>
             </a:fld>
             <a:endParaRPr lang="zh-CN" altLang="en-US"/>
           </a:p>
@@ -2142,6 +2172,7 @@
               <a:rPr lang="zh-CN" altLang="en-US"/>
               <a:t>单击此处编辑母版标题样式</a:t>
             </a:r>
+            <a:endParaRPr lang="zh-CN" altLang="en-US"/>
           </a:p>
         </p:txBody>
       </p:sp>
@@ -2268,6 +2299,7 @@
               <a:rPr lang="zh-CN" altLang="en-US"/>
               <a:t>单击此处编辑母版文本样式</a:t>
             </a:r>
+            <a:endParaRPr lang="zh-CN" altLang="en-US"/>
           </a:p>
         </p:txBody>
       </p:sp>
@@ -2288,7 +2320,6 @@
           <a:p>
             <a:fld id="{8E30BAFC-7326-4899-9BEC-7E31906EAAB6}" type="datetimeFigureOut">
               <a:rPr lang="zh-CN" altLang="en-US" smtClean="0"/>
-              <a:t>2025/10/30</a:t>
             </a:fld>
             <a:endParaRPr lang="zh-CN" altLang="en-US"/>
           </a:p>
@@ -2330,7 +2361,6 @@
           <a:p>
             <a:fld id="{BA48170D-50DB-4052-9D2B-D15E249EAEF9}" type="slidenum">
               <a:rPr lang="zh-CN" altLang="en-US" smtClean="0"/>
-              <a:t>‹#›</a:t>
             </a:fld>
             <a:endParaRPr lang="zh-CN" altLang="en-US"/>
           </a:p>
@@ -2395,6 +2425,7 @@
               <a:rPr lang="zh-CN" altLang="en-US"/>
               <a:t>单击此处编辑母版标题样式</a:t>
             </a:r>
+            <a:endParaRPr lang="zh-CN" altLang="en-US"/>
           </a:p>
         </p:txBody>
       </p:sp>
@@ -2428,6 +2459,7 @@
               <a:rPr lang="zh-CN" altLang="en-US"/>
               <a:t>单击此处编辑母版文本样式</a:t>
             </a:r>
+            <a:endParaRPr lang="zh-CN" altLang="en-US"/>
           </a:p>
           <a:p>
             <a:pPr lvl="1"/>
@@ -2435,6 +2467,7 @@
               <a:rPr lang="zh-CN" altLang="en-US"/>
               <a:t>二级</a:t>
             </a:r>
+            <a:endParaRPr lang="zh-CN" altLang="en-US"/>
           </a:p>
           <a:p>
             <a:pPr lvl="2"/>
@@ -2442,6 +2475,7 @@
               <a:rPr lang="zh-CN" altLang="en-US"/>
               <a:t>三级</a:t>
             </a:r>
+            <a:endParaRPr lang="zh-CN" altLang="en-US"/>
           </a:p>
           <a:p>
             <a:pPr lvl="3"/>
@@ -2449,6 +2483,7 @@
               <a:rPr lang="zh-CN" altLang="en-US"/>
               <a:t>四级</a:t>
             </a:r>
+            <a:endParaRPr lang="zh-CN" altLang="en-US"/>
           </a:p>
           <a:p>
             <a:pPr lvl="4"/>
@@ -2456,6 +2491,7 @@
               <a:rPr lang="zh-CN" altLang="en-US"/>
               <a:t>五级</a:t>
             </a:r>
+            <a:endParaRPr lang="zh-CN" altLang="en-US"/>
           </a:p>
         </p:txBody>
       </p:sp>
@@ -2494,7 +2530,6 @@
           <a:p>
             <a:fld id="{8E30BAFC-7326-4899-9BEC-7E31906EAAB6}" type="datetimeFigureOut">
               <a:rPr lang="zh-CN" altLang="en-US" smtClean="0"/>
-              <a:t>2025/10/30</a:t>
             </a:fld>
             <a:endParaRPr lang="zh-CN" altLang="en-US"/>
           </a:p>
@@ -2572,7 +2607,6 @@
           <a:p>
             <a:fld id="{BA48170D-50DB-4052-9D2B-D15E249EAEF9}" type="slidenum">
               <a:rPr lang="zh-CN" altLang="en-US" smtClean="0"/>
-              <a:t>‹#›</a:t>
             </a:fld>
             <a:endParaRPr lang="zh-CN" altLang="en-US"/>
           </a:p>
@@ -2622,7 +2656,7 @@
         <a:spcBef>
           <a:spcPts val="1000"/>
         </a:spcBef>
-        <a:buFont typeface="Arial" panose="02080604020202020204" pitchFamily="34" charset="0"/>
+        <a:buFont typeface="Arial" panose="020B0604020202020204" pitchFamily="34" charset="0"/>
         <a:buChar char="•"/>
         <a:defRPr sz="2800" kern="1200">
           <a:solidFill>
@@ -2640,7 +2674,7 @@
         <a:spcBef>
           <a:spcPts val="500"/>
         </a:spcBef>
-        <a:buFont typeface="Arial" panose="02080604020202020204" pitchFamily="34" charset="0"/>
+        <a:buFont typeface="Arial" panose="020B0604020202020204" pitchFamily="34" charset="0"/>
         <a:buChar char="•"/>
         <a:defRPr sz="2400" kern="1200">
           <a:solidFill>
@@ -2658,7 +2692,7 @@
         <a:spcBef>
           <a:spcPts val="500"/>
         </a:spcBef>
-        <a:buFont typeface="Arial" panose="02080604020202020204" pitchFamily="34" charset="0"/>
+        <a:buFont typeface="Arial" panose="020B0604020202020204" pitchFamily="34" charset="0"/>
         <a:buChar char="•"/>
         <a:defRPr sz="2000" kern="1200">
           <a:solidFill>
@@ -2676,7 +2710,7 @@
         <a:spcBef>
           <a:spcPts val="500"/>
         </a:spcBef>
-        <a:buFont typeface="Arial" panose="02080604020202020204" pitchFamily="34" charset="0"/>
+        <a:buFont typeface="Arial" panose="020B0604020202020204" pitchFamily="34" charset="0"/>
         <a:buChar char="•"/>
         <a:defRPr sz="1800" kern="1200">
           <a:solidFill>
@@ -2694,7 +2728,7 @@
         <a:spcBef>
           <a:spcPts val="500"/>
         </a:spcBef>
-        <a:buFont typeface="Arial" panose="02080604020202020204" pitchFamily="34" charset="0"/>
+        <a:buFont typeface="Arial" panose="020B0604020202020204" pitchFamily="34" charset="0"/>
         <a:buChar char="•"/>
         <a:defRPr sz="1800" kern="1200">
           <a:solidFill>
@@ -2712,7 +2746,7 @@
         <a:spcBef>
           <a:spcPts val="500"/>
         </a:spcBef>
-        <a:buFont typeface="Arial" panose="02080604020202020204" pitchFamily="34" charset="0"/>
+        <a:buFont typeface="Arial" panose="020B0604020202020204" pitchFamily="34" charset="0"/>
         <a:buChar char="•"/>
         <a:defRPr sz="1800" kern="1200">
           <a:solidFill>
@@ -2730,7 +2764,7 @@
         <a:spcBef>
           <a:spcPts val="500"/>
         </a:spcBef>
-        <a:buFont typeface="Arial" panose="02080604020202020204" pitchFamily="34" charset="0"/>
+        <a:buFont typeface="Arial" panose="020B0604020202020204" pitchFamily="34" charset="0"/>
         <a:buChar char="•"/>
         <a:defRPr sz="1800" kern="1200">
           <a:solidFill>
@@ -2748,7 +2782,7 @@
         <a:spcBef>
           <a:spcPts val="500"/>
         </a:spcBef>
-        <a:buFont typeface="Arial" panose="02080604020202020204" pitchFamily="34" charset="0"/>
+        <a:buFont typeface="Arial" panose="020B0604020202020204" pitchFamily="34" charset="0"/>
         <a:buChar char="•"/>
         <a:defRPr sz="1800" kern="1200">
           <a:solidFill>
@@ -2766,7 +2800,7 @@
         <a:spcBef>
           <a:spcPts val="500"/>
         </a:spcBef>
-        <a:buFont typeface="Arial" panose="02080604020202020204" pitchFamily="34" charset="0"/>
+        <a:buFont typeface="Arial" panose="020B0604020202020204" pitchFamily="34" charset="0"/>
         <a:buChar char="•"/>
         <a:defRPr sz="1800" kern="1200">
           <a:solidFill>
@@ -2883,7 +2917,7 @@
     <p:bg>
       <p:bgPr>
         <a:blipFill dpi="0" rotWithShape="1">
-          <a:blip r:embed="rId2">
+          <a:blip r:embed="rId1">
             <a:lum/>
           </a:blip>
           <a:srcRect/>
@@ -2939,7 +2973,7 @@
                 </a:solidFill>
                 <a:latin typeface="+mj-ea"/>
                 <a:ea typeface="+mj-ea"/>
-                <a:cs typeface="Arial" panose="02080604020202020204" pitchFamily="34" charset="0"/>
+                <a:cs typeface="Arial" panose="020B0604020202020204" pitchFamily="34" charset="0"/>
               </a:rPr>
               <a:t>https://gitcode.com/cann</a:t>
             </a:r>
@@ -2951,7 +2985,7 @@
               </a:solidFill>
               <a:latin typeface="+mj-ea"/>
               <a:ea typeface="+mj-ea"/>
-              <a:cs typeface="Arial" panose="02080604020202020204" pitchFamily="34" charset="0"/>
+              <a:cs typeface="Arial" panose="020B0604020202020204" pitchFamily="34" charset="0"/>
             </a:endParaRPr>
           </a:p>
         </p:txBody>
@@ -2992,6 +3026,10 @@
               </a:rPr>
               <a:t>社区新建仓申请模板</a:t>
             </a:r>
+            <a:endParaRPr lang="zh-CN" altLang="en-US" sz="4000" b="1" dirty="0">
+              <a:latin typeface="微软雅黑" panose="020B0503020204020204" pitchFamily="34" charset="-122"/>
+              <a:ea typeface="微软雅黑" panose="020B0503020204020204" pitchFamily="34" charset="-122"/>
+            </a:endParaRPr>
           </a:p>
         </p:txBody>
       </p:sp>
@@ -3029,6 +3067,10 @@
               </a:rPr>
               <a:t>作者</a:t>
             </a:r>
+            <a:endParaRPr lang="en-US" altLang="zh-CN" sz="1600" b="1" dirty="0">
+              <a:latin typeface="微软雅黑" panose="020B0503020204020204" pitchFamily="34" charset="-122"/>
+              <a:ea typeface="微软雅黑" panose="020B0503020204020204" pitchFamily="34" charset="-122"/>
+            </a:endParaRPr>
           </a:p>
           <a:p>
             <a:pPr>
@@ -3043,6 +3085,10 @@
               </a:rPr>
               <a:t>时间</a:t>
             </a:r>
+            <a:endParaRPr lang="en-US" altLang="zh-CN" sz="1600" b="1" dirty="0">
+              <a:latin typeface="微软雅黑" panose="020B0503020204020204" pitchFamily="34" charset="-122"/>
+              <a:ea typeface="微软雅黑" panose="020B0503020204020204" pitchFamily="34" charset="-122"/>
+            </a:endParaRPr>
           </a:p>
         </p:txBody>
       </p:sp>
@@ -3129,12 +3175,29 @@
                 <a:uLnTx/>
                 <a:uFillTx/>
                 <a:latin typeface="微软雅黑" panose="020B0503020204020204" pitchFamily="34" charset="-122"/>
-                <a:ea typeface="微软雅黑"/>
+                <a:ea typeface="微软雅黑" panose="020B0503020204020204" pitchFamily="34" charset="-122"/>
                 <a:cs typeface="+mn-cs"/>
                 <a:sym typeface="微软雅黑" panose="020B0503020204020204" pitchFamily="34" charset="-122"/>
               </a:rPr>
               <a:t>目录</a:t>
             </a:r>
+            <a:endParaRPr kumimoji="0" lang="zh-CN" altLang="en-US" sz="4800" b="0" i="0" u="none" strike="noStrike" kern="0" cap="none" spc="0" normalizeH="0" baseline="0" noProof="0" dirty="0">
+              <a:ln>
+                <a:noFill/>
+              </a:ln>
+              <a:solidFill>
+                <a:srgbClr val="DDDDDD">
+                  <a:lumMod val="50000"/>
+                </a:srgbClr>
+              </a:solidFill>
+              <a:effectLst/>
+              <a:uLnTx/>
+              <a:uFillTx/>
+              <a:latin typeface="微软雅黑" panose="020B0503020204020204" pitchFamily="34" charset="-122"/>
+              <a:ea typeface="微软雅黑" panose="020B0503020204020204" pitchFamily="34" charset="-122"/>
+              <a:cs typeface="+mn-cs"/>
+              <a:sym typeface="微软雅黑" panose="020B0503020204020204" pitchFamily="34" charset="-122"/>
+            </a:endParaRPr>
           </a:p>
         </p:txBody>
       </p:sp>
@@ -3193,7 +3256,7 @@
                     <a:schemeClr val="bg1"/>
                   </a:solidFill>
                   <a:latin typeface="微软雅黑" panose="020B0503020204020204" pitchFamily="34" charset="-122"/>
-                  <a:ea typeface="微软雅黑"/>
+                  <a:ea typeface="微软雅黑" panose="020B0503020204020204" pitchFamily="34" charset="-122"/>
                 </a:rPr>
                 <a:t>Part 1 XXX</a:t>
               </a:r>
@@ -3203,10 +3266,17 @@
                     <a:schemeClr val="bg1"/>
                   </a:solidFill>
                   <a:latin typeface="微软雅黑" panose="020B0503020204020204" pitchFamily="34" charset="-122"/>
-                  <a:ea typeface="微软雅黑"/>
+                  <a:ea typeface="微软雅黑" panose="020B0503020204020204" pitchFamily="34" charset="-122"/>
                 </a:rPr>
                 <a:t>仓介绍</a:t>
               </a:r>
+              <a:endParaRPr lang="zh-CN" altLang="en-US" sz="2400" kern="0" dirty="0">
+                <a:solidFill>
+                  <a:schemeClr val="bg1"/>
+                </a:solidFill>
+                <a:latin typeface="微软雅黑" panose="020B0503020204020204" pitchFamily="34" charset="-122"/>
+                <a:ea typeface="微软雅黑" panose="020B0503020204020204" pitchFamily="34" charset="-122"/>
+              </a:endParaRPr>
             </a:p>
           </p:txBody>
         </p:sp>
@@ -3276,7 +3346,7 @@
                   <a:uLnTx/>
                   <a:uFillTx/>
                   <a:latin typeface="微软雅黑" panose="020B0503020204020204" pitchFamily="34" charset="-122"/>
-                  <a:ea typeface="微软雅黑"/>
+                  <a:ea typeface="微软雅黑" panose="020B0503020204020204" pitchFamily="34" charset="-122"/>
                   <a:cs typeface="+mn-cs"/>
                 </a:rPr>
                 <a:t>Part 2 </a:t>
@@ -3289,7 +3359,7 @@
                     </a:srgbClr>
                   </a:solidFill>
                   <a:latin typeface="微软雅黑" panose="020B0503020204020204" pitchFamily="34" charset="-122"/>
-                  <a:ea typeface="微软雅黑"/>
+                  <a:ea typeface="微软雅黑" panose="020B0503020204020204" pitchFamily="34" charset="-122"/>
                 </a:rPr>
                 <a:t>竞争力描述</a:t>
               </a:r>
@@ -3306,7 +3376,7 @@
                 <a:uLnTx/>
                 <a:uFillTx/>
                 <a:latin typeface="微软雅黑" panose="020B0503020204020204" pitchFamily="34" charset="-122"/>
-                <a:ea typeface="微软雅黑"/>
+                <a:ea typeface="微软雅黑" panose="020B0503020204020204" pitchFamily="34" charset="-122"/>
                 <a:cs typeface="+mn-cs"/>
               </a:endParaRPr>
             </a:p>
@@ -3357,7 +3427,7 @@
                     </a:srgbClr>
                   </a:solidFill>
                   <a:latin typeface="微软雅黑" panose="020B0503020204020204" pitchFamily="34" charset="-122"/>
-                  <a:ea typeface="微软雅黑"/>
+                  <a:ea typeface="微软雅黑" panose="020B0503020204020204" pitchFamily="34" charset="-122"/>
                 </a:rPr>
                 <a:t>Part 3 </a:t>
               </a:r>
@@ -3369,10 +3439,19 @@
                     </a:srgbClr>
                   </a:solidFill>
                   <a:latin typeface="微软雅黑" panose="020B0503020204020204" pitchFamily="34" charset="-122"/>
-                  <a:ea typeface="微软雅黑"/>
+                  <a:ea typeface="微软雅黑" panose="020B0503020204020204" pitchFamily="34" charset="-122"/>
                 </a:rPr>
                 <a:t>三方件依赖情况</a:t>
               </a:r>
+              <a:endParaRPr lang="zh-CN" altLang="en-US" sz="2400" kern="0" dirty="0">
+                <a:solidFill>
+                  <a:srgbClr val="FFFFFF">
+                    <a:lumMod val="75000"/>
+                  </a:srgbClr>
+                </a:solidFill>
+                <a:latin typeface="微软雅黑" panose="020B0503020204020204" pitchFamily="34" charset="-122"/>
+                <a:ea typeface="微软雅黑" panose="020B0503020204020204" pitchFamily="34" charset="-122"/>
+              </a:endParaRPr>
             </a:p>
           </p:txBody>
         </p:sp>
@@ -3417,7 +3496,7 @@
           <p:nvPr/>
         </p:nvPicPr>
         <p:blipFill>
-          <a:blip r:embed="rId2" cstate="print">
+          <a:blip r:embed="rId1" cstate="print">
             <a:extLst>
               <a:ext uri="{28A0092B-C50C-407E-A947-70E740481C1C}">
                 <a14:useLocalDpi xmlns:a14="http://schemas.microsoft.com/office/drawing/2010/main" val="0"/>
@@ -3469,7 +3548,7 @@
                 </a:solidFill>
                 <a:latin typeface="+mj-ea"/>
                 <a:ea typeface="+mj-ea"/>
-                <a:cs typeface="Arial" panose="02080604020202020204" pitchFamily="34" charset="0"/>
+                <a:cs typeface="Arial" panose="020B0604020202020204" pitchFamily="34" charset="0"/>
               </a:rPr>
               <a:t>https://gitcode.com/cann</a:t>
             </a:r>
@@ -3481,7 +3560,7 @@
               </a:solidFill>
               <a:latin typeface="+mj-ea"/>
               <a:ea typeface="+mj-ea"/>
-              <a:cs typeface="Arial" panose="02080604020202020204" pitchFamily="34" charset="0"/>
+              <a:cs typeface="Arial" panose="020B0604020202020204" pitchFamily="34" charset="0"/>
             </a:endParaRPr>
           </a:p>
         </p:txBody>
@@ -3520,7 +3599,7 @@
           <p:nvPr/>
         </p:nvPicPr>
         <p:blipFill>
-          <a:blip r:embed="rId2" cstate="print">
+          <a:blip r:embed="rId1" cstate="print">
             <a:extLst>
               <a:ext uri="{28A0092B-C50C-407E-A947-70E740481C1C}">
                 <a14:useLocalDpi xmlns:a14="http://schemas.microsoft.com/office/drawing/2010/main" val="0"/>
@@ -3572,7 +3651,7 @@
                 </a:solidFill>
                 <a:latin typeface="+mj-ea"/>
                 <a:ea typeface="+mj-ea"/>
-                <a:cs typeface="Arial" panose="02080604020202020204" pitchFamily="34" charset="0"/>
+                <a:cs typeface="Arial" panose="020B0604020202020204" pitchFamily="34" charset="0"/>
               </a:rPr>
               <a:t>https://gitcode.com/cann</a:t>
             </a:r>
@@ -3584,7 +3663,7 @@
               </a:solidFill>
               <a:latin typeface="+mj-ea"/>
               <a:ea typeface="+mj-ea"/>
-              <a:cs typeface="Arial" panose="02080604020202020204" pitchFamily="34" charset="0"/>
+              <a:cs typeface="Arial" panose="020B0604020202020204" pitchFamily="34" charset="0"/>
             </a:endParaRPr>
           </a:p>
         </p:txBody>
@@ -3616,15 +3695,15 @@
               <a:spcBef>
                 <a:spcPts val="0"/>
               </a:spcBef>
-              <a:buFont typeface="Arial" panose="02080604020202020204" pitchFamily="34" charset="0"/>
+              <a:buFont typeface="Arial" panose="020B0604020202020204" pitchFamily="34" charset="0"/>
               <a:buNone/>
               <a:defRPr sz="2400" kern="1200" baseline="0">
                 <a:solidFill>
                   <a:schemeClr val="tx1"/>
                 </a:solidFill>
-                <a:latin typeface="Arial" panose="02080604020202020204" pitchFamily="34" charset="0"/>
+                <a:latin typeface="Arial" panose="020B0604020202020204" pitchFamily="34" charset="0"/>
                 <a:ea typeface="微软雅黑" panose="020B0503020204020204" pitchFamily="34" charset="-122"/>
-                <a:cs typeface="Arial" panose="02080604020202020204" pitchFamily="34" charset="0"/>
+                <a:cs typeface="Arial" panose="020B0604020202020204" pitchFamily="34" charset="0"/>
               </a:defRPr>
             </a:lvl1pPr>
             <a:lvl2pPr marL="593725" indent="0" algn="ctr" defTabSz="1187450" rtl="0" eaLnBrk="1" latinLnBrk="0" hangingPunct="1">
@@ -3634,7 +3713,7 @@
               <a:spcBef>
                 <a:spcPts val="650"/>
               </a:spcBef>
-              <a:buFont typeface="Arial" panose="02080604020202020204" pitchFamily="34" charset="0"/>
+              <a:buFont typeface="Arial" panose="020B0604020202020204" pitchFamily="34" charset="0"/>
               <a:buNone/>
               <a:defRPr sz="2595" kern="1200">
                 <a:solidFill>
@@ -3652,7 +3731,7 @@
               <a:spcBef>
                 <a:spcPts val="650"/>
               </a:spcBef>
-              <a:buFont typeface="Arial" panose="02080604020202020204" pitchFamily="34" charset="0"/>
+              <a:buFont typeface="Arial" panose="020B0604020202020204" pitchFamily="34" charset="0"/>
               <a:buNone/>
               <a:defRPr sz="2335" kern="1200">
                 <a:solidFill>
@@ -3670,7 +3749,7 @@
               <a:spcBef>
                 <a:spcPts val="650"/>
               </a:spcBef>
-              <a:buFont typeface="Arial" panose="02080604020202020204" pitchFamily="34" charset="0"/>
+              <a:buFont typeface="Arial" panose="020B0604020202020204" pitchFamily="34" charset="0"/>
               <a:buNone/>
               <a:defRPr sz="2080" kern="1200">
                 <a:solidFill>
@@ -3688,7 +3767,7 @@
               <a:spcBef>
                 <a:spcPts val="650"/>
               </a:spcBef>
-              <a:buFont typeface="Arial" panose="02080604020202020204" pitchFamily="34" charset="0"/>
+              <a:buFont typeface="Arial" panose="020B0604020202020204" pitchFamily="34" charset="0"/>
               <a:buNone/>
               <a:defRPr sz="2080" kern="1200">
                 <a:solidFill>
@@ -3706,7 +3785,7 @@
               <a:spcBef>
                 <a:spcPts val="650"/>
               </a:spcBef>
-              <a:buFont typeface="Arial" panose="02080604020202020204" pitchFamily="34" charset="0"/>
+              <a:buFont typeface="Arial" panose="020B0604020202020204" pitchFamily="34" charset="0"/>
               <a:buNone/>
               <a:defRPr sz="2080" kern="1200">
                 <a:solidFill>
@@ -3724,7 +3803,7 @@
               <a:spcBef>
                 <a:spcPts val="650"/>
               </a:spcBef>
-              <a:buFont typeface="Arial" panose="02080604020202020204" pitchFamily="34" charset="0"/>
+              <a:buFont typeface="Arial" panose="020B0604020202020204" pitchFamily="34" charset="0"/>
               <a:buNone/>
               <a:defRPr sz="2080" kern="1200">
                 <a:solidFill>
@@ -3742,7 +3821,7 @@
               <a:spcBef>
                 <a:spcPts val="650"/>
               </a:spcBef>
-              <a:buFont typeface="Arial" panose="02080604020202020204" pitchFamily="34" charset="0"/>
+              <a:buFont typeface="Arial" panose="020B0604020202020204" pitchFamily="34" charset="0"/>
               <a:buNone/>
               <a:defRPr sz="2080" kern="1200">
                 <a:solidFill>
@@ -3760,7 +3839,7 @@
               <a:spcBef>
                 <a:spcPts val="650"/>
               </a:spcBef>
-              <a:buFont typeface="Arial" panose="02080604020202020204" pitchFamily="34" charset="0"/>
+              <a:buFont typeface="Arial" panose="020B0604020202020204" pitchFamily="34" charset="0"/>
               <a:buNone/>
               <a:defRPr sz="2080" kern="1200">
                 <a:solidFill>
@@ -3805,20 +3884,14 @@
       </p:sp>
       <p:sp>
         <p:nvSpPr>
-          <p:cNvPr id="2" name="文本框 1">
-            <a:extLst>
-              <a:ext uri="{FF2B5EF4-FFF2-40B4-BE49-F238E27FC236}">
-                <a16:creationId xmlns:a16="http://schemas.microsoft.com/office/drawing/2014/main" id="{02E6FFEA-E493-4158-827D-0C98F14BBD25}"/>
-              </a:ext>
-            </a:extLst>
-          </p:cNvPr>
+          <p:cNvPr id="2" name="文本框 1"/>
           <p:cNvSpPr txBox="1"/>
           <p:nvPr/>
         </p:nvSpPr>
         <p:spPr>
           <a:xfrm>
             <a:off x="729615" y="1191986"/>
-            <a:ext cx="10720263" cy="1477328"/>
+            <a:ext cx="10720263" cy="1753235"/>
           </a:xfrm>
           <a:prstGeom prst="rect">
             <a:avLst/>
@@ -3890,7 +3963,7 @@
             </a:r>
             <a:r>
               <a:rPr lang="en-US" altLang="zh-CN" dirty="0"/>
-              <a:t>committer</a:t>
+              <a:t>maintainer/committer</a:t>
             </a:r>
             <a:r>
               <a:rPr lang="zh-CN" altLang="en-US" dirty="0"/>
@@ -3907,7 +3980,59 @@
               <a:rPr lang="zh-CN" altLang="en-US" dirty="0"/>
               <a:t>、对外接口</a:t>
             </a:r>
+            <a:endParaRPr lang="zh-CN" altLang="en-US" dirty="0"/>
+          </a:p>
+          <a:p>
+            <a:r>
+              <a:rPr lang="en-US" altLang="zh-CN" dirty="0"/>
+              <a:t>6</a:t>
+            </a:r>
+            <a:r>
+              <a:rPr lang="zh-CN" altLang="en-US" dirty="0"/>
+              <a:t>、开源</a:t>
+            </a:r>
+            <a:r>
+              <a:rPr lang="en-US" altLang="zh-CN" dirty="0"/>
+              <a:t>license</a:t>
+            </a:r>
             <a:endParaRPr lang="en-US" altLang="zh-CN" dirty="0"/>
+          </a:p>
+        </p:txBody>
+      </p:sp>
+      <p:sp>
+        <p:nvSpPr>
+          <p:cNvPr id="3" name="文本框 2"/>
+          <p:cNvSpPr txBox="1"/>
+          <p:nvPr/>
+        </p:nvSpPr>
+        <p:spPr>
+          <a:xfrm>
+            <a:off x="897890" y="3516630"/>
+            <a:ext cx="4064000" cy="306705"/>
+          </a:xfrm>
+          <a:prstGeom prst="rect">
+            <a:avLst/>
+          </a:prstGeom>
+          <a:noFill/>
+        </p:spPr>
+        <p:txBody>
+          <a:bodyPr wrap="square" rtlCol="0">
+            <a:spAutoFit/>
+          </a:bodyPr>
+          <a:p>
+            <a:r>
+              <a:rPr lang="zh-CN" altLang="en-US" sz="1400"/>
+              <a:t>备注：新建仓命名规范请参考</a:t>
+            </a:r>
+            <a:r>
+              <a:rPr lang="en-US" altLang="zh-CN" sz="1400"/>
+              <a:t>P7</a:t>
+            </a:r>
+            <a:r>
+              <a:rPr lang="zh-CN" altLang="en-US" sz="1400"/>
+              <a:t>附录</a:t>
+            </a:r>
+            <a:endParaRPr lang="zh-CN" altLang="en-US" sz="1400"/>
           </a:p>
         </p:txBody>
       </p:sp>
@@ -3945,7 +4070,7 @@
           <p:nvPr/>
         </p:nvPicPr>
         <p:blipFill>
-          <a:blip r:embed="rId2" cstate="print">
+          <a:blip r:embed="rId1" cstate="print">
             <a:extLst>
               <a:ext uri="{28A0092B-C50C-407E-A947-70E740481C1C}">
                 <a14:useLocalDpi xmlns:a14="http://schemas.microsoft.com/office/drawing/2010/main" val="0"/>
@@ -3997,7 +4122,7 @@
                 </a:solidFill>
                 <a:latin typeface="+mj-ea"/>
                 <a:ea typeface="+mj-ea"/>
-                <a:cs typeface="Arial" panose="02080604020202020204" pitchFamily="34" charset="0"/>
+                <a:cs typeface="Arial" panose="020B0604020202020204" pitchFamily="34" charset="0"/>
               </a:rPr>
               <a:t>https://gitcode.com/cann</a:t>
             </a:r>
@@ -4009,7 +4134,7 @@
               </a:solidFill>
               <a:latin typeface="+mj-ea"/>
               <a:ea typeface="+mj-ea"/>
-              <a:cs typeface="Arial" panose="02080604020202020204" pitchFamily="34" charset="0"/>
+              <a:cs typeface="Arial" panose="020B0604020202020204" pitchFamily="34" charset="0"/>
             </a:endParaRPr>
           </a:p>
         </p:txBody>
@@ -4041,15 +4166,15 @@
               <a:spcBef>
                 <a:spcPts val="0"/>
               </a:spcBef>
-              <a:buFont typeface="Arial" panose="02080604020202020204" pitchFamily="34" charset="0"/>
+              <a:buFont typeface="Arial" panose="020B0604020202020204" pitchFamily="34" charset="0"/>
               <a:buNone/>
               <a:defRPr sz="2400" kern="1200" baseline="0">
                 <a:solidFill>
                   <a:schemeClr val="tx1"/>
                 </a:solidFill>
-                <a:latin typeface="Arial" panose="02080604020202020204" pitchFamily="34" charset="0"/>
+                <a:latin typeface="Arial" panose="020B0604020202020204" pitchFamily="34" charset="0"/>
                 <a:ea typeface="微软雅黑" panose="020B0503020204020204" pitchFamily="34" charset="-122"/>
-                <a:cs typeface="Arial" panose="02080604020202020204" pitchFamily="34" charset="0"/>
+                <a:cs typeface="Arial" panose="020B0604020202020204" pitchFamily="34" charset="0"/>
               </a:defRPr>
             </a:lvl1pPr>
             <a:lvl2pPr marL="593725" indent="0" algn="ctr" defTabSz="1187450" rtl="0" eaLnBrk="1" latinLnBrk="0" hangingPunct="1">
@@ -4059,7 +4184,7 @@
               <a:spcBef>
                 <a:spcPts val="650"/>
               </a:spcBef>
-              <a:buFont typeface="Arial" panose="02080604020202020204" pitchFamily="34" charset="0"/>
+              <a:buFont typeface="Arial" panose="020B0604020202020204" pitchFamily="34" charset="0"/>
               <a:buNone/>
               <a:defRPr sz="2595" kern="1200">
                 <a:solidFill>
@@ -4077,7 +4202,7 @@
               <a:spcBef>
                 <a:spcPts val="650"/>
               </a:spcBef>
-              <a:buFont typeface="Arial" panose="02080604020202020204" pitchFamily="34" charset="0"/>
+              <a:buFont typeface="Arial" panose="020B0604020202020204" pitchFamily="34" charset="0"/>
               <a:buNone/>
               <a:defRPr sz="2335" kern="1200">
                 <a:solidFill>
@@ -4095,7 +4220,7 @@
               <a:spcBef>
                 <a:spcPts val="650"/>
               </a:spcBef>
-              <a:buFont typeface="Arial" panose="02080604020202020204" pitchFamily="34" charset="0"/>
+              <a:buFont typeface="Arial" panose="020B0604020202020204" pitchFamily="34" charset="0"/>
               <a:buNone/>
               <a:defRPr sz="2080" kern="1200">
                 <a:solidFill>
@@ -4113,7 +4238,7 @@
               <a:spcBef>
                 <a:spcPts val="650"/>
               </a:spcBef>
-              <a:buFont typeface="Arial" panose="02080604020202020204" pitchFamily="34" charset="0"/>
+              <a:buFont typeface="Arial" panose="020B0604020202020204" pitchFamily="34" charset="0"/>
               <a:buNone/>
               <a:defRPr sz="2080" kern="1200">
                 <a:solidFill>
@@ -4131,7 +4256,7 @@
               <a:spcBef>
                 <a:spcPts val="650"/>
               </a:spcBef>
-              <a:buFont typeface="Arial" panose="02080604020202020204" pitchFamily="34" charset="0"/>
+              <a:buFont typeface="Arial" panose="020B0604020202020204" pitchFamily="34" charset="0"/>
               <a:buNone/>
               <a:defRPr sz="2080" kern="1200">
                 <a:solidFill>
@@ -4149,7 +4274,7 @@
               <a:spcBef>
                 <a:spcPts val="650"/>
               </a:spcBef>
-              <a:buFont typeface="Arial" panose="02080604020202020204" pitchFamily="34" charset="0"/>
+              <a:buFont typeface="Arial" panose="020B0604020202020204" pitchFamily="34" charset="0"/>
               <a:buNone/>
               <a:defRPr sz="2080" kern="1200">
                 <a:solidFill>
@@ -4167,7 +4292,7 @@
               <a:spcBef>
                 <a:spcPts val="650"/>
               </a:spcBef>
-              <a:buFont typeface="Arial" panose="02080604020202020204" pitchFamily="34" charset="0"/>
+              <a:buFont typeface="Arial" panose="020B0604020202020204" pitchFamily="34" charset="0"/>
               <a:buNone/>
               <a:defRPr sz="2080" kern="1200">
                 <a:solidFill>
@@ -4185,7 +4310,7 @@
               <a:spcBef>
                 <a:spcPts val="650"/>
               </a:spcBef>
-              <a:buFont typeface="Arial" panose="02080604020202020204" pitchFamily="34" charset="0"/>
+              <a:buFont typeface="Arial" panose="020B0604020202020204" pitchFamily="34" charset="0"/>
               <a:buNone/>
               <a:defRPr sz="2080" kern="1200">
                 <a:solidFill>
@@ -4221,13 +4346,7 @@
       </p:sp>
       <p:sp>
         <p:nvSpPr>
-          <p:cNvPr id="2" name="文本框 1">
-            <a:extLst>
-              <a:ext uri="{FF2B5EF4-FFF2-40B4-BE49-F238E27FC236}">
-                <a16:creationId xmlns:a16="http://schemas.microsoft.com/office/drawing/2014/main" id="{02E6FFEA-E493-4158-827D-0C98F14BBD25}"/>
-              </a:ext>
-            </a:extLst>
-          </p:cNvPr>
+          <p:cNvPr id="2" name="文本框 1"/>
           <p:cNvSpPr txBox="1"/>
           <p:nvPr/>
         </p:nvSpPr>
@@ -4251,15 +4370,11 @@
               <a:rPr lang="zh-CN" altLang="en-US" dirty="0"/>
               <a:t>主要竞争力点介绍（功能、性能、生态兼容、易用性等方面）</a:t>
             </a:r>
+            <a:endParaRPr lang="zh-CN" altLang="en-US" dirty="0"/>
           </a:p>
         </p:txBody>
       </p:sp>
     </p:spTree>
-    <p:extLst>
-      <p:ext uri="{BB962C8B-B14F-4D97-AF65-F5344CB8AC3E}">
-        <p14:creationId xmlns:p14="http://schemas.microsoft.com/office/powerpoint/2010/main" val="2303888850"/>
-      </p:ext>
-    </p:extLst>
   </p:cSld>
   <p:clrMapOvr>
     <a:masterClrMapping/>
@@ -4293,7 +4408,7 @@
           <p:nvPr/>
         </p:nvPicPr>
         <p:blipFill>
-          <a:blip r:embed="rId2" cstate="print">
+          <a:blip r:embed="rId1" cstate="print">
             <a:extLst>
               <a:ext uri="{28A0092B-C50C-407E-A947-70E740481C1C}">
                 <a14:useLocalDpi xmlns:a14="http://schemas.microsoft.com/office/drawing/2010/main" val="0"/>
@@ -4345,7 +4460,7 @@
                 </a:solidFill>
                 <a:latin typeface="+mj-ea"/>
                 <a:ea typeface="+mj-ea"/>
-                <a:cs typeface="Arial" panose="02080604020202020204" pitchFamily="34" charset="0"/>
+                <a:cs typeface="Arial" panose="020B0604020202020204" pitchFamily="34" charset="0"/>
               </a:rPr>
               <a:t>https://gitcode.com/cann</a:t>
             </a:r>
@@ -4357,7 +4472,7 @@
               </a:solidFill>
               <a:latin typeface="+mj-ea"/>
               <a:ea typeface="+mj-ea"/>
-              <a:cs typeface="Arial" panose="02080604020202020204" pitchFamily="34" charset="0"/>
+              <a:cs typeface="Arial" panose="020B0604020202020204" pitchFamily="34" charset="0"/>
             </a:endParaRPr>
           </a:p>
         </p:txBody>
@@ -4389,15 +4504,15 @@
               <a:spcBef>
                 <a:spcPts val="0"/>
               </a:spcBef>
-              <a:buFont typeface="Arial" panose="02080604020202020204" pitchFamily="34" charset="0"/>
+              <a:buFont typeface="Arial" panose="020B0604020202020204" pitchFamily="34" charset="0"/>
               <a:buNone/>
               <a:defRPr sz="2400" kern="1200" baseline="0">
                 <a:solidFill>
                   <a:schemeClr val="tx1"/>
                 </a:solidFill>
-                <a:latin typeface="Arial" panose="02080604020202020204" pitchFamily="34" charset="0"/>
+                <a:latin typeface="Arial" panose="020B0604020202020204" pitchFamily="34" charset="0"/>
                 <a:ea typeface="微软雅黑" panose="020B0503020204020204" pitchFamily="34" charset="-122"/>
-                <a:cs typeface="Arial" panose="02080604020202020204" pitchFamily="34" charset="0"/>
+                <a:cs typeface="Arial" panose="020B0604020202020204" pitchFamily="34" charset="0"/>
               </a:defRPr>
             </a:lvl1pPr>
             <a:lvl2pPr marL="593725" indent="0" algn="ctr" defTabSz="1187450" rtl="0" eaLnBrk="1" latinLnBrk="0" hangingPunct="1">
@@ -4407,7 +4522,7 @@
               <a:spcBef>
                 <a:spcPts val="650"/>
               </a:spcBef>
-              <a:buFont typeface="Arial" panose="02080604020202020204" pitchFamily="34" charset="0"/>
+              <a:buFont typeface="Arial" panose="020B0604020202020204" pitchFamily="34" charset="0"/>
               <a:buNone/>
               <a:defRPr sz="2595" kern="1200">
                 <a:solidFill>
@@ -4425,7 +4540,7 @@
               <a:spcBef>
                 <a:spcPts val="650"/>
               </a:spcBef>
-              <a:buFont typeface="Arial" panose="02080604020202020204" pitchFamily="34" charset="0"/>
+              <a:buFont typeface="Arial" panose="020B0604020202020204" pitchFamily="34" charset="0"/>
               <a:buNone/>
               <a:defRPr sz="2335" kern="1200">
                 <a:solidFill>
@@ -4443,7 +4558,7 @@
               <a:spcBef>
                 <a:spcPts val="650"/>
               </a:spcBef>
-              <a:buFont typeface="Arial" panose="02080604020202020204" pitchFamily="34" charset="0"/>
+              <a:buFont typeface="Arial" panose="020B0604020202020204" pitchFamily="34" charset="0"/>
               <a:buNone/>
               <a:defRPr sz="2080" kern="1200">
                 <a:solidFill>
@@ -4461,7 +4576,7 @@
               <a:spcBef>
                 <a:spcPts val="650"/>
               </a:spcBef>
-              <a:buFont typeface="Arial" panose="02080604020202020204" pitchFamily="34" charset="0"/>
+              <a:buFont typeface="Arial" panose="020B0604020202020204" pitchFamily="34" charset="0"/>
               <a:buNone/>
               <a:defRPr sz="2080" kern="1200">
                 <a:solidFill>
@@ -4479,7 +4594,7 @@
               <a:spcBef>
                 <a:spcPts val="650"/>
               </a:spcBef>
-              <a:buFont typeface="Arial" panose="02080604020202020204" pitchFamily="34" charset="0"/>
+              <a:buFont typeface="Arial" panose="020B0604020202020204" pitchFamily="34" charset="0"/>
               <a:buNone/>
               <a:defRPr sz="2080" kern="1200">
                 <a:solidFill>
@@ -4497,7 +4612,7 @@
               <a:spcBef>
                 <a:spcPts val="650"/>
               </a:spcBef>
-              <a:buFont typeface="Arial" panose="02080604020202020204" pitchFamily="34" charset="0"/>
+              <a:buFont typeface="Arial" panose="020B0604020202020204" pitchFamily="34" charset="0"/>
               <a:buNone/>
               <a:defRPr sz="2080" kern="1200">
                 <a:solidFill>
@@ -4515,7 +4630,7 @@
               <a:spcBef>
                 <a:spcPts val="650"/>
               </a:spcBef>
-              <a:buFont typeface="Arial" panose="02080604020202020204" pitchFamily="34" charset="0"/>
+              <a:buFont typeface="Arial" panose="020B0604020202020204" pitchFamily="34" charset="0"/>
               <a:buNone/>
               <a:defRPr sz="2080" kern="1200">
                 <a:solidFill>
@@ -4533,7 +4648,7 @@
               <a:spcBef>
                 <a:spcPts val="650"/>
               </a:spcBef>
-              <a:buFont typeface="Arial" panose="02080604020202020204" pitchFamily="34" charset="0"/>
+              <a:buFont typeface="Arial" panose="020B0604020202020204" pitchFamily="34" charset="0"/>
               <a:buNone/>
               <a:defRPr sz="2080" kern="1200">
                 <a:solidFill>
@@ -4578,13 +4693,7 @@
       </p:sp>
       <p:sp>
         <p:nvSpPr>
-          <p:cNvPr id="2" name="文本框 1">
-            <a:extLst>
-              <a:ext uri="{FF2B5EF4-FFF2-40B4-BE49-F238E27FC236}">
-                <a16:creationId xmlns:a16="http://schemas.microsoft.com/office/drawing/2014/main" id="{02E6FFEA-E493-4158-827D-0C98F14BBD25}"/>
-              </a:ext>
-            </a:extLst>
-          </p:cNvPr>
+          <p:cNvPr id="2" name="文本框 1"/>
           <p:cNvSpPr txBox="1"/>
           <p:nvPr/>
         </p:nvSpPr>
@@ -4623,15 +4732,11 @@
               <a:rPr lang="zh-CN" altLang="en-US" dirty="0"/>
               <a:t>、差异比较</a:t>
             </a:r>
+            <a:endParaRPr lang="zh-CN" altLang="en-US" dirty="0"/>
           </a:p>
         </p:txBody>
       </p:sp>
     </p:spTree>
-    <p:extLst>
-      <p:ext uri="{BB962C8B-B14F-4D97-AF65-F5344CB8AC3E}">
-        <p14:creationId xmlns:p14="http://schemas.microsoft.com/office/powerpoint/2010/main" val="1284488668"/>
-      </p:ext>
-    </p:extLst>
   </p:cSld>
   <p:clrMapOvr>
     <a:masterClrMapping/>
@@ -4665,7 +4770,7 @@
           <p:nvPr/>
         </p:nvPicPr>
         <p:blipFill>
-          <a:blip r:embed="rId2" cstate="print">
+          <a:blip r:embed="rId1" cstate="print">
             <a:extLst>
               <a:ext uri="{28A0092B-C50C-407E-A947-70E740481C1C}">
                 <a14:useLocalDpi xmlns:a14="http://schemas.microsoft.com/office/drawing/2010/main" val="0"/>
@@ -4717,7 +4822,7 @@
                 </a:solidFill>
                 <a:latin typeface="+mj-ea"/>
                 <a:ea typeface="+mj-ea"/>
-                <a:cs typeface="Arial" panose="02080604020202020204" pitchFamily="34" charset="0"/>
+                <a:cs typeface="Arial" panose="020B0604020202020204" pitchFamily="34" charset="0"/>
               </a:rPr>
               <a:t>https://gitcode.com/cann</a:t>
             </a:r>
@@ -4729,7 +4834,7 @@
               </a:solidFill>
               <a:latin typeface="+mj-ea"/>
               <a:ea typeface="+mj-ea"/>
-              <a:cs typeface="Arial" panose="02080604020202020204" pitchFamily="34" charset="0"/>
+              <a:cs typeface="Arial" panose="020B0604020202020204" pitchFamily="34" charset="0"/>
             </a:endParaRPr>
           </a:p>
         </p:txBody>
@@ -4761,15 +4866,15 @@
               <a:spcBef>
                 <a:spcPts val="0"/>
               </a:spcBef>
-              <a:buFont typeface="Arial" panose="02080604020202020204" pitchFamily="34" charset="0"/>
+              <a:buFont typeface="Arial" panose="020B0604020202020204" pitchFamily="34" charset="0"/>
               <a:buNone/>
               <a:defRPr sz="2400" kern="1200" baseline="0">
                 <a:solidFill>
                   <a:schemeClr val="tx1"/>
                 </a:solidFill>
-                <a:latin typeface="Arial" panose="02080604020202020204" pitchFamily="34" charset="0"/>
+                <a:latin typeface="Arial" panose="020B0604020202020204" pitchFamily="34" charset="0"/>
                 <a:ea typeface="微软雅黑" panose="020B0503020204020204" pitchFamily="34" charset="-122"/>
-                <a:cs typeface="Arial" panose="02080604020202020204" pitchFamily="34" charset="0"/>
+                <a:cs typeface="Arial" panose="020B0604020202020204" pitchFamily="34" charset="0"/>
               </a:defRPr>
             </a:lvl1pPr>
             <a:lvl2pPr marL="593725" indent="0" algn="ctr" defTabSz="1187450" rtl="0" eaLnBrk="1" latinLnBrk="0" hangingPunct="1">
@@ -4779,7 +4884,7 @@
               <a:spcBef>
                 <a:spcPts val="650"/>
               </a:spcBef>
-              <a:buFont typeface="Arial" panose="02080604020202020204" pitchFamily="34" charset="0"/>
+              <a:buFont typeface="Arial" panose="020B0604020202020204" pitchFamily="34" charset="0"/>
               <a:buNone/>
               <a:defRPr sz="2595" kern="1200">
                 <a:solidFill>
@@ -4797,7 +4902,7 @@
               <a:spcBef>
                 <a:spcPts val="650"/>
               </a:spcBef>
-              <a:buFont typeface="Arial" panose="02080604020202020204" pitchFamily="34" charset="0"/>
+              <a:buFont typeface="Arial" panose="020B0604020202020204" pitchFamily="34" charset="0"/>
               <a:buNone/>
               <a:defRPr sz="2335" kern="1200">
                 <a:solidFill>
@@ -4815,7 +4920,7 @@
               <a:spcBef>
                 <a:spcPts val="650"/>
               </a:spcBef>
-              <a:buFont typeface="Arial" panose="02080604020202020204" pitchFamily="34" charset="0"/>
+              <a:buFont typeface="Arial" panose="020B0604020202020204" pitchFamily="34" charset="0"/>
               <a:buNone/>
               <a:defRPr sz="2080" kern="1200">
                 <a:solidFill>
@@ -4833,7 +4938,7 @@
               <a:spcBef>
                 <a:spcPts val="650"/>
               </a:spcBef>
-              <a:buFont typeface="Arial" panose="02080604020202020204" pitchFamily="34" charset="0"/>
+              <a:buFont typeface="Arial" panose="020B0604020202020204" pitchFamily="34" charset="0"/>
               <a:buNone/>
               <a:defRPr sz="2080" kern="1200">
                 <a:solidFill>
@@ -4851,7 +4956,7 @@
               <a:spcBef>
                 <a:spcPts val="650"/>
               </a:spcBef>
-              <a:buFont typeface="Arial" panose="02080604020202020204" pitchFamily="34" charset="0"/>
+              <a:buFont typeface="Arial" panose="020B0604020202020204" pitchFamily="34" charset="0"/>
               <a:buNone/>
               <a:defRPr sz="2080" kern="1200">
                 <a:solidFill>
@@ -4869,7 +4974,7 @@
               <a:spcBef>
                 <a:spcPts val="650"/>
               </a:spcBef>
-              <a:buFont typeface="Arial" panose="02080604020202020204" pitchFamily="34" charset="0"/>
+              <a:buFont typeface="Arial" panose="020B0604020202020204" pitchFamily="34" charset="0"/>
               <a:buNone/>
               <a:defRPr sz="2080" kern="1200">
                 <a:solidFill>
@@ -4887,7 +4992,7 @@
               <a:spcBef>
                 <a:spcPts val="650"/>
               </a:spcBef>
-              <a:buFont typeface="Arial" panose="02080604020202020204" pitchFamily="34" charset="0"/>
+              <a:buFont typeface="Arial" panose="020B0604020202020204" pitchFamily="34" charset="0"/>
               <a:buNone/>
               <a:defRPr sz="2080" kern="1200">
                 <a:solidFill>
@@ -4905,7 +5010,7 @@
               <a:spcBef>
                 <a:spcPts val="650"/>
               </a:spcBef>
-              <a:buFont typeface="Arial" panose="02080604020202020204" pitchFamily="34" charset="0"/>
+              <a:buFont typeface="Arial" panose="020B0604020202020204" pitchFamily="34" charset="0"/>
               <a:buNone/>
               <a:defRPr sz="2080" kern="1200">
                 <a:solidFill>
@@ -4941,23 +5046,11 @@
       </p:sp>
       <p:graphicFrame>
         <p:nvGraphicFramePr>
-          <p:cNvPr id="3" name="表格 2">
-            <a:extLst>
-              <a:ext uri="{FF2B5EF4-FFF2-40B4-BE49-F238E27FC236}">
-                <a16:creationId xmlns:a16="http://schemas.microsoft.com/office/drawing/2014/main" id="{C0B05B05-EFE4-4C45-9182-A5B1927714EA}"/>
-              </a:ext>
-            </a:extLst>
-          </p:cNvPr>
+          <p:cNvPr id="3" name="表格 2"/>
           <p:cNvGraphicFramePr>
             <a:graphicFrameLocks noGrp="1"/>
           </p:cNvGraphicFramePr>
-          <p:nvPr>
-            <p:extLst>
-              <p:ext uri="{D42A27DB-BD31-4B8C-83A1-F6EECF244321}">
-                <p14:modId xmlns:p14="http://schemas.microsoft.com/office/powerpoint/2010/main" val="3422840041"/>
-              </p:ext>
-            </p:extLst>
-          </p:nvPr>
+          <p:nvPr/>
         </p:nvGraphicFramePr>
         <p:xfrm>
           <a:off x="729615" y="1372808"/>
@@ -4970,62 +5063,14 @@
                 <a:tableStyleId>{5C22544A-7EE6-4342-B048-85BDC9FD1C3A}</a:tableStyleId>
               </a:tblPr>
               <a:tblGrid>
-                <a:gridCol w="847196">
-                  <a:extLst>
-                    <a:ext uri="{9D8B030D-6E8A-4147-A177-3AD203B41FA5}">
-                      <a16:colId xmlns:a16="http://schemas.microsoft.com/office/drawing/2014/main" val="3409577361"/>
-                    </a:ext>
-                  </a:extLst>
-                </a:gridCol>
-                <a:gridCol w="1595618">
-                  <a:extLst>
-                    <a:ext uri="{9D8B030D-6E8A-4147-A177-3AD203B41FA5}">
-                      <a16:colId xmlns:a16="http://schemas.microsoft.com/office/drawing/2014/main" val="1863677302"/>
-                    </a:ext>
-                  </a:extLst>
-                </a:gridCol>
-                <a:gridCol w="1918724">
-                  <a:extLst>
-                    <a:ext uri="{9D8B030D-6E8A-4147-A177-3AD203B41FA5}">
-                      <a16:colId xmlns:a16="http://schemas.microsoft.com/office/drawing/2014/main" val="1089370053"/>
-                    </a:ext>
-                  </a:extLst>
-                </a:gridCol>
-                <a:gridCol w="2017717">
-                  <a:extLst>
-                    <a:ext uri="{9D8B030D-6E8A-4147-A177-3AD203B41FA5}">
-                      <a16:colId xmlns:a16="http://schemas.microsoft.com/office/drawing/2014/main" val="2850516238"/>
-                    </a:ext>
-                  </a:extLst>
-                </a:gridCol>
-                <a:gridCol w="1201097">
-                  <a:extLst>
-                    <a:ext uri="{9D8B030D-6E8A-4147-A177-3AD203B41FA5}">
-                      <a16:colId xmlns:a16="http://schemas.microsoft.com/office/drawing/2014/main" val="4014393572"/>
-                    </a:ext>
-                  </a:extLst>
-                </a:gridCol>
-                <a:gridCol w="1201097">
-                  <a:extLst>
-                    <a:ext uri="{9D8B030D-6E8A-4147-A177-3AD203B41FA5}">
-                      <a16:colId xmlns:a16="http://schemas.microsoft.com/office/drawing/2014/main" val="1137044999"/>
-                    </a:ext>
-                  </a:extLst>
-                </a:gridCol>
-                <a:gridCol w="1355156">
-                  <a:extLst>
-                    <a:ext uri="{9D8B030D-6E8A-4147-A177-3AD203B41FA5}">
-                      <a16:colId xmlns:a16="http://schemas.microsoft.com/office/drawing/2014/main" val="4176205573"/>
-                    </a:ext>
-                  </a:extLst>
-                </a:gridCol>
-                <a:gridCol w="1241414">
-                  <a:extLst>
-                    <a:ext uri="{9D8B030D-6E8A-4147-A177-3AD203B41FA5}">
-                      <a16:colId xmlns:a16="http://schemas.microsoft.com/office/drawing/2014/main" val="3321210865"/>
-                    </a:ext>
-                  </a:extLst>
-                </a:gridCol>
+                <a:gridCol w="847196"/>
+                <a:gridCol w="1595618"/>
+                <a:gridCol w="1918724"/>
+                <a:gridCol w="2017717"/>
+                <a:gridCol w="1201097"/>
+                <a:gridCol w="1201097"/>
+                <a:gridCol w="1355156"/>
+                <a:gridCol w="1241414"/>
               </a:tblGrid>
               <a:tr h="943231">
                 <a:tc>
@@ -5042,6 +5087,11 @@
                         </a:rPr>
                         <a:t>序号</a:t>
                       </a:r>
+                      <a:endParaRPr lang="zh-CN" altLang="en-US" dirty="0">
+                        <a:solidFill>
+                          <a:schemeClr val="tx1"/>
+                        </a:solidFill>
+                      </a:endParaRPr>
                     </a:p>
                   </a:txBody>
                   <a:tcPr anchor="ctr">
@@ -5100,6 +5150,11 @@
                         </a:rPr>
                         <a:t>三方件名称</a:t>
                       </a:r>
+                      <a:endParaRPr lang="zh-CN" altLang="en-US" dirty="0">
+                        <a:solidFill>
+                          <a:schemeClr val="tx1"/>
+                        </a:solidFill>
+                      </a:endParaRPr>
                     </a:p>
                   </a:txBody>
                   <a:tcPr anchor="ctr">
@@ -5158,6 +5213,11 @@
                         </a:rPr>
                         <a:t>上游社区地址</a:t>
                       </a:r>
+                      <a:endParaRPr lang="zh-CN" altLang="en-US" dirty="0">
+                        <a:solidFill>
+                          <a:schemeClr val="tx1"/>
+                        </a:solidFill>
+                      </a:endParaRPr>
                     </a:p>
                   </a:txBody>
                   <a:tcPr anchor="ctr">
@@ -5248,6 +5308,11 @@
                         </a:rPr>
                         <a:t>）</a:t>
                       </a:r>
+                      <a:endParaRPr lang="zh-CN" altLang="en-US" dirty="0">
+                        <a:solidFill>
+                          <a:schemeClr val="tx1"/>
+                        </a:solidFill>
+                      </a:endParaRPr>
                     </a:p>
                   </a:txBody>
                   <a:tcPr anchor="ctr">
@@ -5306,6 +5371,11 @@
                         </a:rPr>
                         <a:t>社区最新发布版本</a:t>
                       </a:r>
+                      <a:endParaRPr lang="zh-CN" altLang="en-US" dirty="0">
+                        <a:solidFill>
+                          <a:schemeClr val="tx1"/>
+                        </a:solidFill>
+                      </a:endParaRPr>
                     </a:p>
                   </a:txBody>
                   <a:tcPr anchor="ctr">
@@ -5443,6 +5513,11 @@
                         </a:rPr>
                         <a:t>发布版本</a:t>
                       </a:r>
+                      <a:endParaRPr lang="zh-CN" altLang="en-US" dirty="0">
+                        <a:solidFill>
+                          <a:schemeClr val="tx1"/>
+                        </a:solidFill>
+                      </a:endParaRPr>
                     </a:p>
                   </a:txBody>
                   <a:tcPr anchor="ctr">
@@ -5550,11 +5625,6 @@
                     </a:solidFill>
                   </a:tcPr>
                 </a:tc>
-                <a:extLst>
-                  <a:ext uri="{0D108BD9-81ED-4DB2-BD59-A6C34878D82A}">
-                    <a16:rowId xmlns:a16="http://schemas.microsoft.com/office/drawing/2014/main" val="3678661131"/>
-                  </a:ext>
-                </a:extLst>
               </a:tr>
               <a:tr h="637687">
                 <a:tc>
@@ -5957,11 +6027,6 @@
                     </a:solidFill>
                   </a:tcPr>
                 </a:tc>
-                <a:extLst>
-                  <a:ext uri="{0D108BD9-81ED-4DB2-BD59-A6C34878D82A}">
-                    <a16:rowId xmlns:a16="http://schemas.microsoft.com/office/drawing/2014/main" val="2987118457"/>
-                  </a:ext>
-                </a:extLst>
               </a:tr>
               <a:tr h="637687">
                 <a:tc>
@@ -6364,11 +6429,6 @@
                     </a:solidFill>
                   </a:tcPr>
                 </a:tc>
-                <a:extLst>
-                  <a:ext uri="{0D108BD9-81ED-4DB2-BD59-A6C34878D82A}">
-                    <a16:rowId xmlns:a16="http://schemas.microsoft.com/office/drawing/2014/main" val="755610388"/>
-                  </a:ext>
-                </a:extLst>
               </a:tr>
               <a:tr h="637687">
                 <a:tc>
@@ -6771,22 +6831,12 @@
                     </a:solidFill>
                   </a:tcPr>
                 </a:tc>
-                <a:extLst>
-                  <a:ext uri="{0D108BD9-81ED-4DB2-BD59-A6C34878D82A}">
-                    <a16:rowId xmlns:a16="http://schemas.microsoft.com/office/drawing/2014/main" val="3668554475"/>
-                  </a:ext>
-                </a:extLst>
               </a:tr>
             </a:tbl>
           </a:graphicData>
         </a:graphic>
       </p:graphicFrame>
     </p:spTree>
-    <p:extLst>
-      <p:ext uri="{BB962C8B-B14F-4D97-AF65-F5344CB8AC3E}">
-        <p14:creationId xmlns:p14="http://schemas.microsoft.com/office/powerpoint/2010/main" val="2735749786"/>
-      </p:ext>
-    </p:extLst>
   </p:cSld>
   <p:clrMapOvr>
     <a:masterClrMapping/>
@@ -6811,6 +6861,595 @@
           <a:chExt cx="0" cy="0"/>
         </a:xfrm>
       </p:grpSpPr>
+      <p:pic>
+        <p:nvPicPr>
+          <p:cNvPr id="8" name="图片 7"/>
+          <p:cNvPicPr>
+            <a:picLocks noChangeAspect="1"/>
+          </p:cNvPicPr>
+          <p:nvPr/>
+        </p:nvPicPr>
+        <p:blipFill>
+          <a:blip r:embed="rId1" cstate="print">
+            <a:extLst>
+              <a:ext uri="{28A0092B-C50C-407E-A947-70E740481C1C}">
+                <a14:useLocalDpi xmlns:a14="http://schemas.microsoft.com/office/drawing/2010/main" val="0"/>
+              </a:ext>
+            </a:extLst>
+          </a:blip>
+          <a:stretch>
+            <a:fillRect/>
+          </a:stretch>
+        </p:blipFill>
+        <p:spPr>
+          <a:xfrm>
+            <a:off x="10137202" y="6042990"/>
+            <a:ext cx="1312676" cy="348426"/>
+          </a:xfrm>
+          <a:prstGeom prst="rect">
+            <a:avLst/>
+          </a:prstGeom>
+        </p:spPr>
+      </p:pic>
+      <p:sp>
+        <p:nvSpPr>
+          <p:cNvPr id="17" name="文本框 16"/>
+          <p:cNvSpPr txBox="1"/>
+          <p:nvPr/>
+        </p:nvSpPr>
+        <p:spPr>
+          <a:xfrm>
+            <a:off x="620201" y="6130454"/>
+            <a:ext cx="1547218" cy="246221"/>
+          </a:xfrm>
+          <a:prstGeom prst="rect">
+            <a:avLst/>
+          </a:prstGeom>
+          <a:noFill/>
+        </p:spPr>
+        <p:txBody>
+          <a:bodyPr wrap="none" rtlCol="0">
+            <a:spAutoFit/>
+          </a:bodyPr>
+          <a:lstStyle/>
+          <a:p>
+            <a:r>
+              <a:rPr lang="en-US" altLang="zh-CN" sz="1000" dirty="0">
+                <a:solidFill>
+                  <a:schemeClr val="bg1">
+                    <a:lumMod val="50000"/>
+                  </a:schemeClr>
+                </a:solidFill>
+                <a:latin typeface="+mj-ea"/>
+                <a:ea typeface="+mj-ea"/>
+                <a:cs typeface="Arial" panose="020B0604020202020204" pitchFamily="34" charset="0"/>
+              </a:rPr>
+              <a:t>https://gitcode.com/cann</a:t>
+            </a:r>
+            <a:endParaRPr lang="zh-CN" altLang="en-US" sz="1000" dirty="0">
+              <a:solidFill>
+                <a:schemeClr val="bg1">
+                  <a:lumMod val="50000"/>
+                </a:schemeClr>
+              </a:solidFill>
+              <a:latin typeface="+mj-ea"/>
+              <a:ea typeface="+mj-ea"/>
+              <a:cs typeface="Arial" panose="020B0604020202020204" pitchFamily="34" charset="0"/>
+            </a:endParaRPr>
+          </a:p>
+        </p:txBody>
+      </p:sp>
+      <p:sp>
+        <p:nvSpPr>
+          <p:cNvPr id="16" name="副标题 1"/>
+          <p:cNvSpPr txBox="1"/>
+          <p:nvPr/>
+        </p:nvSpPr>
+        <p:spPr>
+          <a:xfrm>
+            <a:off x="729615" y="326390"/>
+            <a:ext cx="11099165" cy="581025"/>
+          </a:xfrm>
+          <a:prstGeom prst="rect">
+            <a:avLst/>
+          </a:prstGeom>
+        </p:spPr>
+        <p:txBody>
+          <a:bodyPr lIns="0" tIns="0" rIns="0" bIns="0" anchor="ctr" anchorCtr="0">
+            <a:normAutofit/>
+          </a:bodyPr>
+          <a:lstStyle>
+            <a:lvl1pPr marL="0" indent="0" algn="l" defTabSz="1187450" rtl="0" eaLnBrk="1" latinLnBrk="0" hangingPunct="1">
+              <a:lnSpc>
+                <a:spcPts val="3430"/>
+              </a:lnSpc>
+              <a:spcBef>
+                <a:spcPts val="0"/>
+              </a:spcBef>
+              <a:buFont typeface="Arial" panose="020B0604020202020204" pitchFamily="34" charset="0"/>
+              <a:buNone/>
+              <a:defRPr sz="2400" kern="1200" baseline="0">
+                <a:solidFill>
+                  <a:schemeClr val="tx1"/>
+                </a:solidFill>
+                <a:latin typeface="Arial" panose="020B0604020202020204" pitchFamily="34" charset="0"/>
+                <a:ea typeface="微软雅黑" panose="020B0503020204020204" pitchFamily="34" charset="-122"/>
+                <a:cs typeface="Arial" panose="020B0604020202020204" pitchFamily="34" charset="0"/>
+              </a:defRPr>
+            </a:lvl1pPr>
+            <a:lvl2pPr marL="593725" indent="0" algn="ctr" defTabSz="1187450" rtl="0" eaLnBrk="1" latinLnBrk="0" hangingPunct="1">
+              <a:lnSpc>
+                <a:spcPct val="90000"/>
+              </a:lnSpc>
+              <a:spcBef>
+                <a:spcPts val="650"/>
+              </a:spcBef>
+              <a:buFont typeface="Arial" panose="020B0604020202020204" pitchFamily="34" charset="0"/>
+              <a:buNone/>
+              <a:defRPr sz="2595" kern="1200">
+                <a:solidFill>
+                  <a:schemeClr val="tx1"/>
+                </a:solidFill>
+                <a:latin typeface="+mn-lt"/>
+                <a:ea typeface="+mn-ea"/>
+                <a:cs typeface="+mn-cs"/>
+              </a:defRPr>
+            </a:lvl2pPr>
+            <a:lvl3pPr marL="1187450" indent="0" algn="ctr" defTabSz="1187450" rtl="0" eaLnBrk="1" latinLnBrk="0" hangingPunct="1">
+              <a:lnSpc>
+                <a:spcPct val="90000"/>
+              </a:lnSpc>
+              <a:spcBef>
+                <a:spcPts val="650"/>
+              </a:spcBef>
+              <a:buFont typeface="Arial" panose="020B0604020202020204" pitchFamily="34" charset="0"/>
+              <a:buNone/>
+              <a:defRPr sz="2335" kern="1200">
+                <a:solidFill>
+                  <a:schemeClr val="tx1"/>
+                </a:solidFill>
+                <a:latin typeface="+mn-lt"/>
+                <a:ea typeface="+mn-ea"/>
+                <a:cs typeface="+mn-cs"/>
+              </a:defRPr>
+            </a:lvl3pPr>
+            <a:lvl4pPr marL="1781175" indent="0" algn="ctr" defTabSz="1187450" rtl="0" eaLnBrk="1" latinLnBrk="0" hangingPunct="1">
+              <a:lnSpc>
+                <a:spcPct val="90000"/>
+              </a:lnSpc>
+              <a:spcBef>
+                <a:spcPts val="650"/>
+              </a:spcBef>
+              <a:buFont typeface="Arial" panose="020B0604020202020204" pitchFamily="34" charset="0"/>
+              <a:buNone/>
+              <a:defRPr sz="2080" kern="1200">
+                <a:solidFill>
+                  <a:schemeClr val="tx1"/>
+                </a:solidFill>
+                <a:latin typeface="+mn-lt"/>
+                <a:ea typeface="+mn-ea"/>
+                <a:cs typeface="+mn-cs"/>
+              </a:defRPr>
+            </a:lvl4pPr>
+            <a:lvl5pPr marL="2374900" indent="0" algn="ctr" defTabSz="1187450" rtl="0" eaLnBrk="1" latinLnBrk="0" hangingPunct="1">
+              <a:lnSpc>
+                <a:spcPct val="90000"/>
+              </a:lnSpc>
+              <a:spcBef>
+                <a:spcPts val="650"/>
+              </a:spcBef>
+              <a:buFont typeface="Arial" panose="020B0604020202020204" pitchFamily="34" charset="0"/>
+              <a:buNone/>
+              <a:defRPr sz="2080" kern="1200">
+                <a:solidFill>
+                  <a:schemeClr val="tx1"/>
+                </a:solidFill>
+                <a:latin typeface="+mn-lt"/>
+                <a:ea typeface="+mn-ea"/>
+                <a:cs typeface="+mn-cs"/>
+              </a:defRPr>
+            </a:lvl5pPr>
+            <a:lvl6pPr marL="2967990" indent="0" algn="ctr" defTabSz="1187450" rtl="0" eaLnBrk="1" latinLnBrk="0" hangingPunct="1">
+              <a:lnSpc>
+                <a:spcPct val="90000"/>
+              </a:lnSpc>
+              <a:spcBef>
+                <a:spcPts val="650"/>
+              </a:spcBef>
+              <a:buFont typeface="Arial" panose="020B0604020202020204" pitchFamily="34" charset="0"/>
+              <a:buNone/>
+              <a:defRPr sz="2080" kern="1200">
+                <a:solidFill>
+                  <a:schemeClr val="tx1"/>
+                </a:solidFill>
+                <a:latin typeface="+mn-lt"/>
+                <a:ea typeface="+mn-ea"/>
+                <a:cs typeface="+mn-cs"/>
+              </a:defRPr>
+            </a:lvl6pPr>
+            <a:lvl7pPr marL="3561715" indent="0" algn="ctr" defTabSz="1187450" rtl="0" eaLnBrk="1" latinLnBrk="0" hangingPunct="1">
+              <a:lnSpc>
+                <a:spcPct val="90000"/>
+              </a:lnSpc>
+              <a:spcBef>
+                <a:spcPts val="650"/>
+              </a:spcBef>
+              <a:buFont typeface="Arial" panose="020B0604020202020204" pitchFamily="34" charset="0"/>
+              <a:buNone/>
+              <a:defRPr sz="2080" kern="1200">
+                <a:solidFill>
+                  <a:schemeClr val="tx1"/>
+                </a:solidFill>
+                <a:latin typeface="+mn-lt"/>
+                <a:ea typeface="+mn-ea"/>
+                <a:cs typeface="+mn-cs"/>
+              </a:defRPr>
+            </a:lvl7pPr>
+            <a:lvl8pPr marL="4155440" indent="0" algn="ctr" defTabSz="1187450" rtl="0" eaLnBrk="1" latinLnBrk="0" hangingPunct="1">
+              <a:lnSpc>
+                <a:spcPct val="90000"/>
+              </a:lnSpc>
+              <a:spcBef>
+                <a:spcPts val="650"/>
+              </a:spcBef>
+              <a:buFont typeface="Arial" panose="020B0604020202020204" pitchFamily="34" charset="0"/>
+              <a:buNone/>
+              <a:defRPr sz="2080" kern="1200">
+                <a:solidFill>
+                  <a:schemeClr val="tx1"/>
+                </a:solidFill>
+                <a:latin typeface="+mn-lt"/>
+                <a:ea typeface="+mn-ea"/>
+                <a:cs typeface="+mn-cs"/>
+              </a:defRPr>
+            </a:lvl8pPr>
+            <a:lvl9pPr marL="4749165" indent="0" algn="ctr" defTabSz="1187450" rtl="0" eaLnBrk="1" latinLnBrk="0" hangingPunct="1">
+              <a:lnSpc>
+                <a:spcPct val="90000"/>
+              </a:lnSpc>
+              <a:spcBef>
+                <a:spcPts val="650"/>
+              </a:spcBef>
+              <a:buFont typeface="Arial" panose="020B0604020202020204" pitchFamily="34" charset="0"/>
+              <a:buNone/>
+              <a:defRPr sz="2080" kern="1200">
+                <a:solidFill>
+                  <a:schemeClr val="tx1"/>
+                </a:solidFill>
+                <a:latin typeface="+mn-lt"/>
+                <a:ea typeface="+mn-ea"/>
+                <a:cs typeface="+mn-cs"/>
+              </a:defRPr>
+            </a:lvl9pPr>
+          </a:lstStyle>
+          <a:p>
+            <a:pPr>
+              <a:defRPr/>
+            </a:pPr>
+            <a:r>
+              <a:rPr lang="zh-CN" altLang="en-US" sz="2800" b="1" dirty="0">
+                <a:solidFill>
+                  <a:srgbClr val="C00000"/>
+                </a:solidFill>
+                <a:latin typeface="微软雅黑" panose="020B0503020204020204" pitchFamily="34" charset="-122"/>
+                <a:ea typeface="微软雅黑" panose="020B0503020204020204" pitchFamily="34" charset="-122"/>
+              </a:rPr>
+              <a:t>附录</a:t>
+            </a:r>
+            <a:endParaRPr lang="zh-CN" altLang="en-US" sz="2400" b="1" dirty="0">
+              <a:solidFill>
+                <a:srgbClr val="C00000"/>
+              </a:solidFill>
+            </a:endParaRPr>
+          </a:p>
+        </p:txBody>
+      </p:sp>
+      <p:sp>
+        <p:nvSpPr>
+          <p:cNvPr id="2" name="文本框 1"/>
+          <p:cNvSpPr txBox="1"/>
+          <p:nvPr/>
+        </p:nvSpPr>
+        <p:spPr>
+          <a:xfrm>
+            <a:off x="729615" y="1191986"/>
+            <a:ext cx="10720263" cy="2030095"/>
+          </a:xfrm>
+          <a:prstGeom prst="rect">
+            <a:avLst/>
+          </a:prstGeom>
+          <a:noFill/>
+        </p:spPr>
+        <p:txBody>
+          <a:bodyPr wrap="square" rtlCol="0">
+            <a:spAutoFit/>
+          </a:bodyPr>
+          <a:lstStyle/>
+          <a:p>
+            <a:r>
+              <a:rPr lang="zh-CN" altLang="en-US" b="1" dirty="0">
+                <a:ea typeface="+mn-lt"/>
+                <a:cs typeface="+mn-lt"/>
+              </a:rPr>
+              <a:t>新建仓命名规范：</a:t>
+            </a:r>
+            <a:endParaRPr lang="zh-CN" altLang="en-US" b="1" dirty="0">
+              <a:ea typeface="+mn-lt"/>
+              <a:cs typeface="+mn-lt"/>
+            </a:endParaRPr>
+          </a:p>
+          <a:p>
+            <a:pPr indent="457200"/>
+            <a:r>
+              <a:rPr lang="en-US" altLang="zh-CN" dirty="0">
+                <a:ea typeface="+mn-lt"/>
+                <a:cs typeface="+mn-lt"/>
+              </a:rPr>
+              <a:t>1</a:t>
+            </a:r>
+            <a:r>
+              <a:rPr lang="zh-CN" altLang="en-US" dirty="0">
+                <a:ea typeface="+mn-lt"/>
+                <a:cs typeface="+mn-lt"/>
+              </a:rPr>
+              <a:t>、简洁清晰：有明确的含义，能够直观地反映项目功能或用途，简介易记，避免冗长。</a:t>
+            </a:r>
+            <a:endParaRPr lang="zh-CN" altLang="en-US" dirty="0">
+              <a:ea typeface="+mn-lt"/>
+              <a:cs typeface="+mn-lt"/>
+            </a:endParaRPr>
+          </a:p>
+          <a:p>
+            <a:pPr indent="457200"/>
+            <a:r>
+              <a:rPr lang="en-US" altLang="zh-CN" dirty="0">
+                <a:ea typeface="+mn-lt"/>
+                <a:cs typeface="+mn-lt"/>
+              </a:rPr>
+              <a:t>2</a:t>
+            </a:r>
+            <a:r>
+              <a:rPr lang="zh-CN" altLang="en-US" dirty="0">
+                <a:ea typeface="+mn-lt"/>
+                <a:cs typeface="+mn-lt"/>
+              </a:rPr>
+              <a:t>、名词优先：使用意义完整的英文描述，建议优先使用名词</a:t>
+            </a:r>
+            <a:r>
+              <a:rPr lang="en-US" altLang="zh-CN" dirty="0">
+                <a:ea typeface="+mn-lt"/>
+                <a:cs typeface="+mn-lt"/>
+              </a:rPr>
+              <a:t>/</a:t>
+            </a:r>
+            <a:r>
+              <a:rPr lang="zh-CN" altLang="en-US" dirty="0">
+                <a:ea typeface="+mn-lt"/>
+                <a:cs typeface="+mn-lt"/>
+              </a:rPr>
+              <a:t>名词短语，少动词、形容词。</a:t>
+            </a:r>
+            <a:endParaRPr lang="zh-CN" altLang="en-US" dirty="0">
+              <a:ea typeface="+mn-lt"/>
+              <a:cs typeface="+mn-lt"/>
+            </a:endParaRPr>
+          </a:p>
+          <a:p>
+            <a:pPr indent="457200"/>
+            <a:r>
+              <a:rPr lang="en-US" altLang="zh-CN" dirty="0">
+                <a:ea typeface="+mn-lt"/>
+                <a:cs typeface="+mn-lt"/>
+              </a:rPr>
+              <a:t>3</a:t>
+            </a:r>
+            <a:r>
+              <a:rPr lang="zh-CN" altLang="en-US" dirty="0">
+                <a:ea typeface="+mn-lt"/>
+                <a:cs typeface="+mn-lt"/>
+              </a:rPr>
+              <a:t>、统一格式：全小写，中划线分割（</a:t>
+            </a:r>
+            <a:r>
+              <a:rPr lang="en-US" altLang="zh-CN" dirty="0">
+                <a:ea typeface="+mn-lt"/>
+                <a:cs typeface="+mn-lt"/>
+              </a:rPr>
+              <a:t>lower-with-hyphen</a:t>
+            </a:r>
+            <a:r>
+              <a:rPr lang="zh-CN" altLang="en-US" dirty="0">
+                <a:ea typeface="+mn-lt"/>
+                <a:cs typeface="+mn-lt"/>
+              </a:rPr>
+              <a:t>），无空格</a:t>
+            </a:r>
+            <a:r>
+              <a:rPr lang="en-US" altLang="zh-CN" dirty="0">
+                <a:ea typeface="+mn-lt"/>
+                <a:cs typeface="+mn-lt"/>
+              </a:rPr>
+              <a:t>/</a:t>
+            </a:r>
+            <a:r>
+              <a:rPr lang="zh-CN" altLang="en-US" dirty="0">
+                <a:ea typeface="+mn-lt"/>
+                <a:cs typeface="+mn-lt"/>
+              </a:rPr>
+              <a:t>下划线</a:t>
+            </a:r>
+            <a:r>
+              <a:rPr lang="en-US" altLang="zh-CN" dirty="0">
+                <a:ea typeface="+mn-lt"/>
+                <a:cs typeface="+mn-lt"/>
+              </a:rPr>
+              <a:t>/</a:t>
+            </a:r>
+            <a:r>
+              <a:rPr lang="zh-CN" altLang="en-US" dirty="0">
+                <a:ea typeface="+mn-lt"/>
+                <a:cs typeface="+mn-lt"/>
+              </a:rPr>
+              <a:t>驼峰</a:t>
+            </a:r>
+            <a:r>
+              <a:rPr lang="en-US" altLang="zh-CN" dirty="0">
+                <a:ea typeface="+mn-lt"/>
+                <a:cs typeface="+mn-lt"/>
+              </a:rPr>
+              <a:t>/</a:t>
+            </a:r>
+            <a:r>
+              <a:rPr lang="zh-CN" altLang="en-US" dirty="0">
+                <a:ea typeface="+mn-lt"/>
+                <a:cs typeface="+mn-lt"/>
+              </a:rPr>
+              <a:t>特殊字符，单词数量建议不超过</a:t>
+            </a:r>
+            <a:r>
+              <a:rPr lang="en-US" altLang="zh-CN" dirty="0">
+                <a:ea typeface="+mn-lt"/>
+                <a:cs typeface="+mn-lt"/>
+              </a:rPr>
+              <a:t>3</a:t>
+            </a:r>
+            <a:r>
+              <a:rPr lang="zh-CN" altLang="en-US" dirty="0">
+                <a:ea typeface="+mn-lt"/>
+                <a:cs typeface="+mn-lt"/>
+              </a:rPr>
+              <a:t>个。</a:t>
+            </a:r>
+            <a:endParaRPr lang="zh-CN" altLang="en-US" dirty="0">
+              <a:ea typeface="+mn-lt"/>
+              <a:cs typeface="+mn-lt"/>
+            </a:endParaRPr>
+          </a:p>
+          <a:p>
+            <a:pPr indent="457200"/>
+            <a:r>
+              <a:rPr lang="en-US" altLang="zh-CN" dirty="0">
+                <a:ea typeface="+mn-lt"/>
+                <a:cs typeface="+mn-lt"/>
+              </a:rPr>
+              <a:t>4</a:t>
+            </a:r>
+            <a:r>
+              <a:rPr lang="zh-CN" altLang="en-US" dirty="0">
+                <a:ea typeface="+mn-lt"/>
+                <a:cs typeface="+mn-lt"/>
+              </a:rPr>
+              <a:t>、唯一不重复：不与现有仓库重名。</a:t>
+            </a:r>
+            <a:endParaRPr lang="zh-CN" altLang="en-US" dirty="0">
+              <a:ea typeface="+mn-lt"/>
+              <a:cs typeface="+mn-lt"/>
+            </a:endParaRPr>
+          </a:p>
+          <a:p>
+            <a:pPr indent="457200"/>
+            <a:r>
+              <a:rPr lang="en-US" altLang="zh-CN" dirty="0">
+                <a:ea typeface="+mn-lt"/>
+                <a:cs typeface="+mn-lt"/>
+              </a:rPr>
+              <a:t>5</a:t>
+            </a:r>
+            <a:r>
+              <a:rPr lang="zh-CN" altLang="en-US" dirty="0">
+                <a:ea typeface="+mn-lt"/>
+                <a:cs typeface="+mn-lt"/>
+              </a:rPr>
+              <a:t>、命名格式：</a:t>
+            </a:r>
+            <a:r>
+              <a:rPr lang="en-US" altLang="zh-CN" dirty="0">
+                <a:ea typeface="+mn-lt"/>
+                <a:cs typeface="+mn-lt"/>
+              </a:rPr>
+              <a:t>&lt;</a:t>
+            </a:r>
+            <a:r>
+              <a:rPr lang="zh-CN" altLang="en-US" dirty="0">
+                <a:ea typeface="+mn-lt"/>
+                <a:cs typeface="+mn-lt"/>
+              </a:rPr>
+              <a:t>项目功能</a:t>
+            </a:r>
+            <a:r>
+              <a:rPr lang="en-US" altLang="zh-CN" dirty="0">
+                <a:ea typeface="+mn-lt"/>
+                <a:cs typeface="+mn-lt"/>
+              </a:rPr>
+              <a:t>&gt;</a:t>
+            </a:r>
+            <a:r>
+              <a:rPr lang="zh-CN" altLang="en-US" dirty="0">
+                <a:ea typeface="+mn-lt"/>
+                <a:cs typeface="+mn-lt"/>
+              </a:rPr>
+              <a:t>，例如</a:t>
+            </a:r>
+            <a:r>
+              <a:rPr lang="en-US" altLang="zh-CN" dirty="0">
+                <a:ea typeface="+mn-lt"/>
+                <a:cs typeface="+mn-lt"/>
+              </a:rPr>
+              <a:t>hccl</a:t>
+            </a:r>
+            <a:r>
+              <a:rPr lang="zh-CN" altLang="en-US" dirty="0">
+                <a:ea typeface="+mn-lt"/>
+                <a:cs typeface="+mn-lt"/>
+              </a:rPr>
+              <a:t>、</a:t>
+            </a:r>
+            <a:r>
+              <a:rPr lang="en-US" altLang="zh-CN" dirty="0">
+                <a:ea typeface="+mn-lt"/>
+                <a:cs typeface="+mn-lt"/>
+              </a:rPr>
+              <a:t>ops-math</a:t>
+            </a:r>
+            <a:r>
+              <a:rPr lang="zh-CN" altLang="en-US" dirty="0">
+                <a:ea typeface="+mn-lt"/>
+                <a:cs typeface="+mn-lt"/>
+              </a:rPr>
+              <a:t>。</a:t>
+            </a:r>
+            <a:endParaRPr lang="zh-CN" altLang="en-US" dirty="0">
+              <a:ea typeface="+mn-lt"/>
+              <a:cs typeface="+mn-lt"/>
+            </a:endParaRPr>
+          </a:p>
+        </p:txBody>
+      </p:sp>
+    </p:spTree>
+  </p:cSld>
+  <p:clrMapOvr>
+    <a:masterClrMapping/>
+  </p:clrMapOvr>
+</p:sld>
+</file>
+
+<file path=ppt/slides/slide8.xml><?xml version="1.0" encoding="utf-8"?>
+<p:sld xmlns:a="http://schemas.openxmlformats.org/drawingml/2006/main" xmlns:r="http://schemas.openxmlformats.org/officeDocument/2006/relationships" xmlns:p="http://schemas.openxmlformats.org/presentationml/2006/main">
+  <p:cSld>
+    <p:spTree>
+      <p:nvGrpSpPr>
+        <p:cNvPr id="1" name=""/>
+        <p:cNvGrpSpPr/>
+        <p:nvPr/>
+      </p:nvGrpSpPr>
+      <p:grpSpPr>
+        <a:xfrm>
+          <a:off x="0" y="0"/>
+          <a:ext cx="0" cy="0"/>
+          <a:chOff x="0" y="0"/>
+          <a:chExt cx="0" cy="0"/>
+        </a:xfrm>
+      </p:grpSpPr>
       <p:sp>
         <p:nvSpPr>
           <p:cNvPr id="2" name="文本框 1"/>
@@ -6835,14 +7474,14 @@
           <a:p>
             <a:r>
               <a:rPr lang="en-US" altLang="zh-CN" sz="5400" dirty="0">
-                <a:latin typeface="Arial" panose="02080604020202020204" pitchFamily="34" charset="0"/>
-                <a:cs typeface="Arial" panose="02080604020202020204" pitchFamily="34" charset="0"/>
+                <a:latin typeface="Arial" panose="020B0604020202020204" pitchFamily="34" charset="0"/>
+                <a:cs typeface="Arial" panose="020B0604020202020204" pitchFamily="34" charset="0"/>
               </a:rPr>
               <a:t>Thank you.</a:t>
             </a:r>
             <a:endParaRPr lang="zh-CN" altLang="en-US" sz="5400" dirty="0">
-              <a:latin typeface="Arial" panose="02080604020202020204" pitchFamily="34" charset="0"/>
-              <a:cs typeface="Arial" panose="02080604020202020204" pitchFamily="34" charset="0"/>
+              <a:latin typeface="Arial" panose="020B0604020202020204" pitchFamily="34" charset="0"/>
+              <a:cs typeface="Arial" panose="020B0604020202020204" pitchFamily="34" charset="0"/>
             </a:endParaRPr>
           </a:p>
         </p:txBody>
@@ -6881,9 +7520,9 @@
                     <a:lumMod val="50000"/>
                   </a:schemeClr>
                 </a:solidFill>
-                <a:latin typeface="宋体" pitchFamily="2" charset="-122"/>
-                <a:ea typeface="宋体" pitchFamily="2" charset="-122"/>
-                <a:cs typeface="Arial" panose="02080604020202020204" pitchFamily="34" charset="0"/>
+                <a:latin typeface="宋体" panose="02010600030101010101" pitchFamily="2" charset="-122"/>
+                <a:ea typeface="宋体" panose="02010600030101010101" pitchFamily="2" charset="-122"/>
+                <a:cs typeface="Arial" panose="020B0604020202020204" pitchFamily="34" charset="0"/>
               </a:rPr>
               <a:t>社区愿景：打造开放易用、技术领先的</a:t>
             </a:r>
@@ -6894,9 +7533,9 @@
                     <a:lumMod val="50000"/>
                   </a:schemeClr>
                 </a:solidFill>
-                <a:latin typeface="宋体" pitchFamily="2" charset="-122"/>
-                <a:ea typeface="宋体" pitchFamily="2" charset="-122"/>
-                <a:cs typeface="Arial" panose="02080604020202020204" pitchFamily="34" charset="0"/>
+                <a:latin typeface="宋体" panose="02010600030101010101" pitchFamily="2" charset="-122"/>
+                <a:ea typeface="宋体" panose="02010600030101010101" pitchFamily="2" charset="-122"/>
+                <a:cs typeface="Arial" panose="020B0604020202020204" pitchFamily="34" charset="0"/>
               </a:rPr>
               <a:t>AI</a:t>
             </a:r>
@@ -6907,9 +7546,9 @@
                     <a:lumMod val="50000"/>
                   </a:schemeClr>
                 </a:solidFill>
-                <a:latin typeface="宋体" pitchFamily="2" charset="-122"/>
-                <a:ea typeface="宋体" pitchFamily="2" charset="-122"/>
-                <a:cs typeface="Arial" panose="02080604020202020204" pitchFamily="34" charset="0"/>
+                <a:latin typeface="宋体" panose="02010600030101010101" pitchFamily="2" charset="-122"/>
+                <a:ea typeface="宋体" panose="02010600030101010101" pitchFamily="2" charset="-122"/>
+                <a:cs typeface="Arial" panose="020B0604020202020204" pitchFamily="34" charset="0"/>
               </a:rPr>
               <a:t>算力新生态</a:t>
             </a:r>
@@ -6919,9 +7558,9 @@
                   <a:lumMod val="50000"/>
                 </a:schemeClr>
               </a:solidFill>
-              <a:latin typeface="宋体" pitchFamily="2" charset="-122"/>
-              <a:ea typeface="宋体" pitchFamily="2" charset="-122"/>
-              <a:cs typeface="Arial" panose="02080604020202020204" pitchFamily="34" charset="0"/>
+              <a:latin typeface="宋体" panose="02010600030101010101" pitchFamily="2" charset="-122"/>
+              <a:ea typeface="宋体" panose="02010600030101010101" pitchFamily="2" charset="-122"/>
+              <a:cs typeface="Arial" panose="020B0604020202020204" pitchFamily="34" charset="0"/>
             </a:endParaRPr>
           </a:p>
           <a:p>
@@ -6937,9 +7576,9 @@
                     <a:lumMod val="50000"/>
                   </a:schemeClr>
                 </a:solidFill>
-                <a:latin typeface="宋体" pitchFamily="2" charset="-122"/>
-                <a:ea typeface="宋体" pitchFamily="2" charset="-122"/>
-                <a:cs typeface="Arial" panose="02080604020202020204" pitchFamily="34" charset="0"/>
+                <a:latin typeface="宋体" panose="02010600030101010101" pitchFamily="2" charset="-122"/>
+                <a:ea typeface="宋体" panose="02010600030101010101" pitchFamily="2" charset="-122"/>
+                <a:cs typeface="Arial" panose="020B0604020202020204" pitchFamily="34" charset="0"/>
               </a:rPr>
               <a:t>社区使命：使能开发者基于</a:t>
             </a:r>
@@ -6950,9 +7589,9 @@
                     <a:lumMod val="50000"/>
                   </a:schemeClr>
                 </a:solidFill>
-                <a:latin typeface="宋体" pitchFamily="2" charset="-122"/>
-                <a:ea typeface="宋体" pitchFamily="2" charset="-122"/>
-                <a:cs typeface="Arial" panose="02080604020202020204" pitchFamily="34" charset="0"/>
+                <a:latin typeface="宋体" panose="02010600030101010101" pitchFamily="2" charset="-122"/>
+                <a:ea typeface="宋体" panose="02010600030101010101" pitchFamily="2" charset="-122"/>
+                <a:cs typeface="Arial" panose="020B0604020202020204" pitchFamily="34" charset="0"/>
               </a:rPr>
               <a:t>CANN</a:t>
             </a:r>
@@ -6963,9 +7602,9 @@
                     <a:lumMod val="50000"/>
                   </a:schemeClr>
                 </a:solidFill>
-                <a:latin typeface="宋体" pitchFamily="2" charset="-122"/>
-                <a:ea typeface="宋体" pitchFamily="2" charset="-122"/>
-                <a:cs typeface="Arial" panose="02080604020202020204" pitchFamily="34" charset="0"/>
+                <a:latin typeface="宋体" panose="02010600030101010101" pitchFamily="2" charset="-122"/>
+                <a:ea typeface="宋体" panose="02010600030101010101" pitchFamily="2" charset="-122"/>
+                <a:cs typeface="Arial" panose="020B0604020202020204" pitchFamily="34" charset="0"/>
               </a:rPr>
               <a:t>社区自主研究创新，构筑根深叶茂、跨产业协同共享共赢的</a:t>
             </a:r>
@@ -6976,9 +7615,9 @@
                     <a:lumMod val="50000"/>
                   </a:schemeClr>
                 </a:solidFill>
-                <a:latin typeface="宋体" pitchFamily="2" charset="-122"/>
-                <a:ea typeface="宋体" pitchFamily="2" charset="-122"/>
-                <a:cs typeface="Arial" panose="02080604020202020204" pitchFamily="34" charset="0"/>
+                <a:latin typeface="宋体" panose="02010600030101010101" pitchFamily="2" charset="-122"/>
+                <a:ea typeface="宋体" panose="02010600030101010101" pitchFamily="2" charset="-122"/>
+                <a:cs typeface="Arial" panose="020B0604020202020204" pitchFamily="34" charset="0"/>
               </a:rPr>
               <a:t>CANN</a:t>
             </a:r>
@@ -6989,9 +7628,9 @@
                     <a:lumMod val="50000"/>
                   </a:schemeClr>
                 </a:solidFill>
-                <a:latin typeface="宋体" pitchFamily="2" charset="-122"/>
-                <a:ea typeface="宋体" pitchFamily="2" charset="-122"/>
-                <a:cs typeface="Arial" panose="02080604020202020204" pitchFamily="34" charset="0"/>
+                <a:latin typeface="宋体" panose="02010600030101010101" pitchFamily="2" charset="-122"/>
+                <a:ea typeface="宋体" panose="02010600030101010101" pitchFamily="2" charset="-122"/>
+                <a:cs typeface="Arial" panose="020B0604020202020204" pitchFamily="34" charset="0"/>
               </a:rPr>
               <a:t>生态</a:t>
             </a:r>
@@ -7001,9 +7640,9 @@
                   <a:lumMod val="50000"/>
                 </a:schemeClr>
               </a:solidFill>
-              <a:latin typeface="宋体" pitchFamily="2" charset="-122"/>
-              <a:ea typeface="宋体" pitchFamily="2" charset="-122"/>
-              <a:cs typeface="Arial" panose="02080604020202020204" pitchFamily="34" charset="0"/>
+              <a:latin typeface="宋体" panose="02010600030101010101" pitchFamily="2" charset="-122"/>
+              <a:ea typeface="宋体" panose="02010600030101010101" pitchFamily="2" charset="-122"/>
+              <a:cs typeface="Arial" panose="020B0604020202020204" pitchFamily="34" charset="0"/>
             </a:endParaRPr>
           </a:p>
           <a:p>
@@ -7034,11 +7673,20 @@
                     <a:lumMod val="50000"/>
                   </a:schemeClr>
                 </a:solidFill>
-                <a:latin typeface="Arial" panose="02080604020202020204" pitchFamily="34" charset="0"/>
-                <a:cs typeface="Arial" panose="02080604020202020204" pitchFamily="34" charset="0"/>
+                <a:latin typeface="Arial" panose="020B0604020202020204" pitchFamily="34" charset="0"/>
+                <a:cs typeface="Arial" panose="020B0604020202020204" pitchFamily="34" charset="0"/>
               </a:rPr>
               <a:t>Vision: Building an Open, Easy-to-Use, and Technology-leading AI Computing Ecosystem</a:t>
             </a:r>
+            <a:endParaRPr lang="en-US" altLang="zh-CN" sz="1000" dirty="0">
+              <a:solidFill>
+                <a:schemeClr val="bg1">
+                  <a:lumMod val="50000"/>
+                </a:schemeClr>
+              </a:solidFill>
+              <a:latin typeface="Arial" panose="020B0604020202020204" pitchFamily="34" charset="0"/>
+              <a:cs typeface="Arial" panose="020B0604020202020204" pitchFamily="34" charset="0"/>
+            </a:endParaRPr>
           </a:p>
           <a:p>
             <a:pPr>
@@ -7053,8 +7701,8 @@
                     <a:lumMod val="50000"/>
                   </a:schemeClr>
                 </a:solidFill>
-                <a:latin typeface="Arial" panose="02080604020202020204" pitchFamily="34" charset="0"/>
-                <a:cs typeface="Arial" panose="02080604020202020204" pitchFamily="34" charset="0"/>
+                <a:latin typeface="Arial" panose="020B0604020202020204" pitchFamily="34" charset="0"/>
+                <a:cs typeface="Arial" panose="020B0604020202020204" pitchFamily="34" charset="0"/>
               </a:rPr>
               <a:t>Mission: Enable developers to independently research and innovate based on the CANN community and build a win-win CANN ecosystem with deep roots and cross-industry collaboration and sharing.</a:t>
             </a:r>
@@ -7064,8 +7712,8 @@
                   <a:lumMod val="50000"/>
                 </a:schemeClr>
               </a:solidFill>
-              <a:latin typeface="Arial" panose="02080604020202020204" pitchFamily="34" charset="0"/>
-              <a:cs typeface="Arial" panose="02080604020202020204" pitchFamily="34" charset="0"/>
+              <a:latin typeface="Arial" panose="020B0604020202020204" pitchFamily="34" charset="0"/>
+              <a:cs typeface="Arial" panose="020B0604020202020204" pitchFamily="34" charset="0"/>
             </a:endParaRPr>
           </a:p>
         </p:txBody>
@@ -7079,7 +7727,7 @@
           <p:nvPr/>
         </p:nvPicPr>
         <p:blipFill>
-          <a:blip r:embed="rId2" cstate="print">
+          <a:blip r:embed="rId1" cstate="print">
             <a:extLst>
               <a:ext uri="{28A0092B-C50C-407E-A947-70E740481C1C}">
                 <a14:useLocalDpi xmlns:a14="http://schemas.microsoft.com/office/drawing/2010/main" val="0"/>
@@ -7109,7 +7757,7 @@
           <p:nvPr/>
         </p:nvPicPr>
         <p:blipFill>
-          <a:blip r:embed="rId3" cstate="print">
+          <a:blip r:embed="rId2" cstate="print">
             <a:extLst>
               <a:ext uri="{28A0092B-C50C-407E-A947-70E740481C1C}">
                 <a14:useLocalDpi xmlns:a14="http://schemas.microsoft.com/office/drawing/2010/main" val="0"/>
@@ -7164,6 +7812,7 @@
               <a:rPr lang="zh-CN" altLang="en-US" sz="1000" dirty="0"/>
               <a:t>社区获取干货</a:t>
             </a:r>
+            <a:endParaRPr lang="zh-CN" altLang="en-US" sz="1000" dirty="0"/>
           </a:p>
         </p:txBody>
       </p:sp>
@@ -7201,6 +7850,7 @@
               <a:rPr lang="zh-CN" altLang="en-US" sz="1000" dirty="0"/>
               <a:t>公众号获取资讯</a:t>
             </a:r>
+            <a:endParaRPr lang="zh-CN" altLang="en-US" sz="1000" dirty="0"/>
           </a:p>
         </p:txBody>
       </p:sp>
@@ -7235,7 +7885,7 @@
                 </a:solidFill>
                 <a:latin typeface="+mj-ea"/>
                 <a:ea typeface="+mj-ea"/>
-                <a:cs typeface="Arial" panose="02080604020202020204" pitchFamily="34" charset="0"/>
+                <a:cs typeface="Arial" panose="020B0604020202020204" pitchFamily="34" charset="0"/>
               </a:rPr>
               <a:t>https://gitcode.com/cann</a:t>
             </a:r>
@@ -7247,7 +7897,7 @@
               </a:solidFill>
               <a:latin typeface="+mj-ea"/>
               <a:ea typeface="+mj-ea"/>
-              <a:cs typeface="Arial" panose="02080604020202020204" pitchFamily="34" charset="0"/>
+              <a:cs typeface="Arial" panose="020B0604020202020204" pitchFamily="34" charset="0"/>
             </a:endParaRPr>
           </a:p>
         </p:txBody>
@@ -7261,7 +7911,7 @@
           <p:nvPr/>
         </p:nvPicPr>
         <p:blipFill>
-          <a:blip r:embed="rId4" cstate="print">
+          <a:blip r:embed="rId3" cstate="print">
             <a:extLst>
               <a:ext uri="{28A0092B-C50C-407E-A947-70E740481C1C}">
                 <a14:useLocalDpi xmlns:a14="http://schemas.microsoft.com/office/drawing/2010/main" val="0"/>
@@ -7541,8 +8191,6 @@
       </a:bgFillStyleLst>
     </a:fmtScheme>
   </a:themeElements>
-  <a:objectDefaults/>
-  <a:extraClrSchemeLst/>
   <a:extLst>
     <a:ext uri="{05A4C25C-085E-4340-85A3-A5531E510DB2}">
       <thm15:themeFamily xmlns:thm15="http://schemas.microsoft.com/office/thememl/2012/main" name="Office Theme" id="{62F939B6-93AF-4DB8-9C6B-D6C7DFDC589F}" vid="{4A3C46E8-61CC-4603-A589-7422A47A8E4A}"/>
